--- a/temp/라벨지.pptx
+++ b/temp/라벨지.pptx
@@ -6,8 +6,10 @@
   </p:sldMasterIdLst>
   <p:sldIdLst>
     <p:sldId id="256" r:id="rId5"/>
-    <p:sldId id="257" r:id="rId6"/>
-    <p:sldId id="258" r:id="rId7"/>
+    <p:sldId id="259" r:id="rId6"/>
+    <p:sldId id="260" r:id="rId7"/>
+    <p:sldId id="257" r:id="rId8"/>
+    <p:sldId id="258" r:id="rId9"/>
   </p:sldIdLst>
   <p:sldSz cx="12192000" cy="6858000"/>
   <p:notesSz cx="6858000" cy="9144000"/>
@@ -261,7 +263,7 @@
           <a:p>
             <a:fld id="{B2F6E154-B9EA-4443-A382-84A896AEE394}" type="datetimeFigureOut">
               <a:rPr lang="ko-KR" altLang="en-US" smtClean="0"/>
-              <a:t>2023-05-09</a:t>
+              <a:t>2023-06-07</a:t>
             </a:fld>
             <a:endParaRPr lang="ko-KR" altLang="en-US"/>
           </a:p>
@@ -459,7 +461,7 @@
           <a:p>
             <a:fld id="{B2F6E154-B9EA-4443-A382-84A896AEE394}" type="datetimeFigureOut">
               <a:rPr lang="ko-KR" altLang="en-US" smtClean="0"/>
-              <a:t>2023-05-09</a:t>
+              <a:t>2023-06-07</a:t>
             </a:fld>
             <a:endParaRPr lang="ko-KR" altLang="en-US"/>
           </a:p>
@@ -667,7 +669,7 @@
           <a:p>
             <a:fld id="{B2F6E154-B9EA-4443-A382-84A896AEE394}" type="datetimeFigureOut">
               <a:rPr lang="ko-KR" altLang="en-US" smtClean="0"/>
-              <a:t>2023-05-09</a:t>
+              <a:t>2023-06-07</a:t>
             </a:fld>
             <a:endParaRPr lang="ko-KR" altLang="en-US"/>
           </a:p>
@@ -865,7 +867,7 @@
           <a:p>
             <a:fld id="{B2F6E154-B9EA-4443-A382-84A896AEE394}" type="datetimeFigureOut">
               <a:rPr lang="ko-KR" altLang="en-US" smtClean="0"/>
-              <a:t>2023-05-09</a:t>
+              <a:t>2023-06-07</a:t>
             </a:fld>
             <a:endParaRPr lang="ko-KR" altLang="en-US"/>
           </a:p>
@@ -1140,7 +1142,7 @@
           <a:p>
             <a:fld id="{B2F6E154-B9EA-4443-A382-84A896AEE394}" type="datetimeFigureOut">
               <a:rPr lang="ko-KR" altLang="en-US" smtClean="0"/>
-              <a:t>2023-05-09</a:t>
+              <a:t>2023-06-07</a:t>
             </a:fld>
             <a:endParaRPr lang="ko-KR" altLang="en-US"/>
           </a:p>
@@ -1405,7 +1407,7 @@
           <a:p>
             <a:fld id="{B2F6E154-B9EA-4443-A382-84A896AEE394}" type="datetimeFigureOut">
               <a:rPr lang="ko-KR" altLang="en-US" smtClean="0"/>
-              <a:t>2023-05-09</a:t>
+              <a:t>2023-06-07</a:t>
             </a:fld>
             <a:endParaRPr lang="ko-KR" altLang="en-US"/>
           </a:p>
@@ -1817,7 +1819,7 @@
           <a:p>
             <a:fld id="{B2F6E154-B9EA-4443-A382-84A896AEE394}" type="datetimeFigureOut">
               <a:rPr lang="ko-KR" altLang="en-US" smtClean="0"/>
-              <a:t>2023-05-09</a:t>
+              <a:t>2023-06-07</a:t>
             </a:fld>
             <a:endParaRPr lang="ko-KR" altLang="en-US"/>
           </a:p>
@@ -1958,7 +1960,7 @@
           <a:p>
             <a:fld id="{B2F6E154-B9EA-4443-A382-84A896AEE394}" type="datetimeFigureOut">
               <a:rPr lang="ko-KR" altLang="en-US" smtClean="0"/>
-              <a:t>2023-05-09</a:t>
+              <a:t>2023-06-07</a:t>
             </a:fld>
             <a:endParaRPr lang="ko-KR" altLang="en-US"/>
           </a:p>
@@ -2071,7 +2073,7 @@
           <a:p>
             <a:fld id="{B2F6E154-B9EA-4443-A382-84A896AEE394}" type="datetimeFigureOut">
               <a:rPr lang="ko-KR" altLang="en-US" smtClean="0"/>
-              <a:t>2023-05-09</a:t>
+              <a:t>2023-06-07</a:t>
             </a:fld>
             <a:endParaRPr lang="ko-KR" altLang="en-US"/>
           </a:p>
@@ -2382,7 +2384,7 @@
           <a:p>
             <a:fld id="{B2F6E154-B9EA-4443-A382-84A896AEE394}" type="datetimeFigureOut">
               <a:rPr lang="ko-KR" altLang="en-US" smtClean="0"/>
-              <a:t>2023-05-09</a:t>
+              <a:t>2023-06-07</a:t>
             </a:fld>
             <a:endParaRPr lang="ko-KR" altLang="en-US"/>
           </a:p>
@@ -2670,7 +2672,7 @@
           <a:p>
             <a:fld id="{B2F6E154-B9EA-4443-A382-84A896AEE394}" type="datetimeFigureOut">
               <a:rPr lang="ko-KR" altLang="en-US" smtClean="0"/>
-              <a:t>2023-05-09</a:t>
+              <a:t>2023-06-07</a:t>
             </a:fld>
             <a:endParaRPr lang="ko-KR" altLang="en-US"/>
           </a:p>
@@ -2911,7 +2913,7 @@
           <a:p>
             <a:fld id="{B2F6E154-B9EA-4443-A382-84A896AEE394}" type="datetimeFigureOut">
               <a:rPr lang="ko-KR" altLang="en-US" smtClean="0"/>
-              <a:t>2023-05-09</a:t>
+              <a:t>2023-06-07</a:t>
             </a:fld>
             <a:endParaRPr lang="ko-KR" altLang="en-US"/>
           </a:p>
@@ -4899,6 +4901,1810 @@
           <a:chExt cx="0" cy="0"/>
         </a:xfrm>
       </p:grpSpPr>
+      <p:grpSp>
+        <p:nvGrpSpPr>
+          <p:cNvPr id="10" name="그룹 9">
+            <a:extLst>
+              <a:ext uri="{FF2B5EF4-FFF2-40B4-BE49-F238E27FC236}">
+                <a16:creationId xmlns:a16="http://schemas.microsoft.com/office/drawing/2014/main" id="{56C1B855-EAE9-C87C-67BB-EBD6CD4C4CE9}"/>
+              </a:ext>
+            </a:extLst>
+          </p:cNvPr>
+          <p:cNvGrpSpPr/>
+          <p:nvPr/>
+        </p:nvGrpSpPr>
+        <p:grpSpPr>
+          <a:xfrm>
+            <a:off x="3268060" y="344276"/>
+            <a:ext cx="5733799" cy="5737063"/>
+            <a:chOff x="3268060" y="344276"/>
+            <a:chExt cx="5733799" cy="5737063"/>
+          </a:xfrm>
+        </p:grpSpPr>
+        <p:sp>
+          <p:nvSpPr>
+            <p:cNvPr id="9" name="직사각형 8">
+              <a:extLst>
+                <a:ext uri="{FF2B5EF4-FFF2-40B4-BE49-F238E27FC236}">
+                  <a16:creationId xmlns:a16="http://schemas.microsoft.com/office/drawing/2014/main" id="{5C26B50D-5C08-F631-3DC1-7141FF99A13F}"/>
+                </a:ext>
+              </a:extLst>
+            </p:cNvPr>
+            <p:cNvSpPr/>
+            <p:nvPr/>
+          </p:nvSpPr>
+          <p:spPr>
+            <a:xfrm>
+              <a:off x="3273197" y="344276"/>
+              <a:ext cx="5728662" cy="5737063"/>
+            </a:xfrm>
+            <a:prstGeom prst="rect">
+              <a:avLst/>
+            </a:prstGeom>
+            <a:solidFill>
+              <a:schemeClr val="bg1"/>
+            </a:solidFill>
+            <a:ln>
+              <a:noFill/>
+            </a:ln>
+          </p:spPr>
+          <p:style>
+            <a:lnRef idx="2">
+              <a:schemeClr val="accent1">
+                <a:shade val="50000"/>
+              </a:schemeClr>
+            </a:lnRef>
+            <a:fillRef idx="1">
+              <a:schemeClr val="accent1"/>
+            </a:fillRef>
+            <a:effectRef idx="0">
+              <a:schemeClr val="accent1"/>
+            </a:effectRef>
+            <a:fontRef idx="minor">
+              <a:schemeClr val="lt1"/>
+            </a:fontRef>
+          </p:style>
+          <p:txBody>
+            <a:bodyPr rtlCol="0" anchor="ctr"/>
+            <a:lstStyle/>
+            <a:p>
+              <a:pPr algn="ctr"/>
+              <a:endParaRPr lang="ko-KR" altLang="en-US"/>
+            </a:p>
+          </p:txBody>
+        </p:sp>
+        <p:grpSp>
+          <p:nvGrpSpPr>
+            <p:cNvPr id="43" name="그룹 42">
+              <a:extLst>
+                <a:ext uri="{FF2B5EF4-FFF2-40B4-BE49-F238E27FC236}">
+                  <a16:creationId xmlns:a16="http://schemas.microsoft.com/office/drawing/2014/main" id="{21400BDE-082A-C520-54C8-4E318CEAA0E4}"/>
+                </a:ext>
+              </a:extLst>
+            </p:cNvPr>
+            <p:cNvGrpSpPr>
+              <a:grpSpLocks/>
+            </p:cNvGrpSpPr>
+            <p:nvPr/>
+          </p:nvGrpSpPr>
+          <p:grpSpPr>
+            <a:xfrm>
+              <a:off x="3281078" y="356072"/>
+              <a:ext cx="5712904" cy="5712903"/>
+              <a:chOff x="6236103" y="360726"/>
+              <a:chExt cx="5712904" cy="5712903"/>
+            </a:xfrm>
+          </p:grpSpPr>
+          <p:sp>
+            <p:nvSpPr>
+              <p:cNvPr id="6" name="사각형: 둥근 모서리 5">
+                <a:extLst>
+                  <a:ext uri="{FF2B5EF4-FFF2-40B4-BE49-F238E27FC236}">
+                    <a16:creationId xmlns:a16="http://schemas.microsoft.com/office/drawing/2014/main" id="{BD4ED41B-6E0C-5937-B2F7-C99B19F8A8E6}"/>
+                  </a:ext>
+                </a:extLst>
+              </p:cNvPr>
+              <p:cNvSpPr>
+                <a:spLocks/>
+              </p:cNvSpPr>
+              <p:nvPr/>
+            </p:nvSpPr>
+            <p:spPr>
+              <a:xfrm>
+                <a:off x="6236104" y="360726"/>
+                <a:ext cx="5712903" cy="5712903"/>
+              </a:xfrm>
+              <a:prstGeom prst="roundRect">
+                <a:avLst>
+                  <a:gd name="adj" fmla="val 2286"/>
+                </a:avLst>
+              </a:prstGeom>
+              <a:noFill/>
+              <a:ln w="19050">
+                <a:solidFill>
+                  <a:schemeClr val="tx1"/>
+                </a:solidFill>
+              </a:ln>
+            </p:spPr>
+            <p:style>
+              <a:lnRef idx="2">
+                <a:schemeClr val="accent1">
+                  <a:shade val="50000"/>
+                </a:schemeClr>
+              </a:lnRef>
+              <a:fillRef idx="1">
+                <a:schemeClr val="accent1"/>
+              </a:fillRef>
+              <a:effectRef idx="0">
+                <a:schemeClr val="accent1"/>
+              </a:effectRef>
+              <a:fontRef idx="minor">
+                <a:schemeClr val="lt1"/>
+              </a:fontRef>
+            </p:style>
+            <p:txBody>
+              <a:bodyPr rtlCol="0" anchor="ctr"/>
+              <a:lstStyle/>
+              <a:p>
+                <a:pPr algn="ctr"/>
+                <a:endParaRPr lang="ko-KR" altLang="en-US"/>
+              </a:p>
+            </p:txBody>
+          </p:sp>
+          <p:cxnSp>
+            <p:nvCxnSpPr>
+              <p:cNvPr id="18" name="직선 연결선 17">
+                <a:extLst>
+                  <a:ext uri="{FF2B5EF4-FFF2-40B4-BE49-F238E27FC236}">
+                    <a16:creationId xmlns:a16="http://schemas.microsoft.com/office/drawing/2014/main" id="{2ADCC45B-AC63-2450-C27E-7B3E08B2CC1C}"/>
+                  </a:ext>
+                </a:extLst>
+              </p:cNvPr>
+              <p:cNvCxnSpPr>
+                <a:cxnSpLocks/>
+              </p:cNvCxnSpPr>
+              <p:nvPr/>
+            </p:nvCxnSpPr>
+            <p:spPr>
+              <a:xfrm>
+                <a:off x="7008582" y="1288744"/>
+                <a:ext cx="0" cy="3456497"/>
+              </a:xfrm>
+              <a:prstGeom prst="line">
+                <a:avLst/>
+              </a:prstGeom>
+              <a:ln w="19050">
+                <a:solidFill>
+                  <a:schemeClr val="tx1"/>
+                </a:solidFill>
+              </a:ln>
+            </p:spPr>
+            <p:style>
+              <a:lnRef idx="1">
+                <a:schemeClr val="accent1"/>
+              </a:lnRef>
+              <a:fillRef idx="0">
+                <a:schemeClr val="accent1"/>
+              </a:fillRef>
+              <a:effectRef idx="0">
+                <a:schemeClr val="accent1"/>
+              </a:effectRef>
+              <a:fontRef idx="minor">
+                <a:schemeClr val="tx1"/>
+              </a:fontRef>
+            </p:style>
+          </p:cxnSp>
+          <p:sp>
+            <p:nvSpPr>
+              <p:cNvPr id="30" name="직사각형 29">
+                <a:extLst>
+                  <a:ext uri="{FF2B5EF4-FFF2-40B4-BE49-F238E27FC236}">
+                    <a16:creationId xmlns:a16="http://schemas.microsoft.com/office/drawing/2014/main" id="{16311F3C-AECB-361F-EAED-DF59BBF0D7AC}"/>
+                  </a:ext>
+                </a:extLst>
+              </p:cNvPr>
+              <p:cNvSpPr>
+                <a:spLocks/>
+              </p:cNvSpPr>
+              <p:nvPr/>
+            </p:nvSpPr>
+            <p:spPr>
+              <a:xfrm>
+                <a:off x="6236103" y="1958059"/>
+                <a:ext cx="2412593" cy="655595"/>
+              </a:xfrm>
+              <a:prstGeom prst="rect">
+                <a:avLst/>
+              </a:prstGeom>
+              <a:noFill/>
+              <a:ln w="19050">
+                <a:solidFill>
+                  <a:schemeClr val="tx1"/>
+                </a:solidFill>
+              </a:ln>
+            </p:spPr>
+            <p:style>
+              <a:lnRef idx="2">
+                <a:schemeClr val="accent1">
+                  <a:shade val="50000"/>
+                </a:schemeClr>
+              </a:lnRef>
+              <a:fillRef idx="1">
+                <a:schemeClr val="accent1"/>
+              </a:fillRef>
+              <a:effectRef idx="0">
+                <a:schemeClr val="accent1"/>
+              </a:effectRef>
+              <a:fontRef idx="minor">
+                <a:schemeClr val="lt1"/>
+              </a:fontRef>
+            </p:style>
+            <p:txBody>
+              <a:bodyPr rtlCol="0" anchor="ctr"/>
+              <a:lstStyle/>
+              <a:p>
+                <a:pPr algn="ctr"/>
+                <a:endParaRPr lang="ko-KR" altLang="en-US"/>
+              </a:p>
+            </p:txBody>
+          </p:sp>
+          <p:sp>
+            <p:nvSpPr>
+              <p:cNvPr id="31" name="직사각형 30">
+                <a:extLst>
+                  <a:ext uri="{FF2B5EF4-FFF2-40B4-BE49-F238E27FC236}">
+                    <a16:creationId xmlns:a16="http://schemas.microsoft.com/office/drawing/2014/main" id="{4C0B63DA-FB27-DA37-1BB2-456B1226B267}"/>
+                  </a:ext>
+                </a:extLst>
+              </p:cNvPr>
+              <p:cNvSpPr>
+                <a:spLocks/>
+              </p:cNvSpPr>
+              <p:nvPr/>
+            </p:nvSpPr>
+            <p:spPr>
+              <a:xfrm>
+                <a:off x="6236103" y="1302464"/>
+                <a:ext cx="5712902" cy="655595"/>
+              </a:xfrm>
+              <a:prstGeom prst="rect">
+                <a:avLst/>
+              </a:prstGeom>
+              <a:noFill/>
+              <a:ln w="19050">
+                <a:solidFill>
+                  <a:schemeClr val="tx1"/>
+                </a:solidFill>
+              </a:ln>
+            </p:spPr>
+            <p:style>
+              <a:lnRef idx="2">
+                <a:schemeClr val="accent1">
+                  <a:shade val="50000"/>
+                </a:schemeClr>
+              </a:lnRef>
+              <a:fillRef idx="1">
+                <a:schemeClr val="accent1"/>
+              </a:fillRef>
+              <a:effectRef idx="0">
+                <a:schemeClr val="accent1"/>
+              </a:effectRef>
+              <a:fontRef idx="minor">
+                <a:schemeClr val="lt1"/>
+              </a:fontRef>
+            </p:style>
+            <p:txBody>
+              <a:bodyPr rtlCol="0" anchor="ctr"/>
+              <a:lstStyle/>
+              <a:p>
+                <a:pPr algn="ctr"/>
+                <a:endParaRPr lang="ko-KR" altLang="en-US"/>
+              </a:p>
+            </p:txBody>
+          </p:sp>
+          <p:sp>
+            <p:nvSpPr>
+              <p:cNvPr id="32" name="직사각형 31">
+                <a:extLst>
+                  <a:ext uri="{FF2B5EF4-FFF2-40B4-BE49-F238E27FC236}">
+                    <a16:creationId xmlns:a16="http://schemas.microsoft.com/office/drawing/2014/main" id="{E2F43624-76C4-D526-02A5-918B345F920A}"/>
+                  </a:ext>
+                </a:extLst>
+              </p:cNvPr>
+              <p:cNvSpPr>
+                <a:spLocks/>
+              </p:cNvSpPr>
+              <p:nvPr/>
+            </p:nvSpPr>
+            <p:spPr>
+              <a:xfrm>
+                <a:off x="6236103" y="646869"/>
+                <a:ext cx="5712902" cy="655595"/>
+              </a:xfrm>
+              <a:prstGeom prst="rect">
+                <a:avLst/>
+              </a:prstGeom>
+              <a:noFill/>
+              <a:ln w="19050">
+                <a:solidFill>
+                  <a:schemeClr val="tx1"/>
+                </a:solidFill>
+              </a:ln>
+            </p:spPr>
+            <p:style>
+              <a:lnRef idx="2">
+                <a:schemeClr val="accent1">
+                  <a:shade val="50000"/>
+                </a:schemeClr>
+              </a:lnRef>
+              <a:fillRef idx="1">
+                <a:schemeClr val="accent1"/>
+              </a:fillRef>
+              <a:effectRef idx="0">
+                <a:schemeClr val="accent1"/>
+              </a:effectRef>
+              <a:fontRef idx="minor">
+                <a:schemeClr val="lt1"/>
+              </a:fontRef>
+            </p:style>
+            <p:txBody>
+              <a:bodyPr rtlCol="0" anchor="ctr"/>
+              <a:lstStyle/>
+              <a:p>
+                <a:pPr algn="ctr"/>
+                <a:endParaRPr lang="ko-KR" altLang="en-US"/>
+              </a:p>
+            </p:txBody>
+          </p:sp>
+          <p:grpSp>
+            <p:nvGrpSpPr>
+              <p:cNvPr id="40" name="그룹 39">
+                <a:extLst>
+                  <a:ext uri="{FF2B5EF4-FFF2-40B4-BE49-F238E27FC236}">
+                    <a16:creationId xmlns:a16="http://schemas.microsoft.com/office/drawing/2014/main" id="{3B6DD245-C5F3-2061-94CC-B33A3CDF7AD8}"/>
+                  </a:ext>
+                </a:extLst>
+              </p:cNvPr>
+              <p:cNvGrpSpPr>
+                <a:grpSpLocks/>
+              </p:cNvGrpSpPr>
+              <p:nvPr/>
+            </p:nvGrpSpPr>
+            <p:grpSpPr>
+              <a:xfrm>
+                <a:off x="6236103" y="2613655"/>
+                <a:ext cx="2412593" cy="2486851"/>
+                <a:chOff x="6236103" y="2613655"/>
+                <a:chExt cx="2412593" cy="2773722"/>
+              </a:xfrm>
+            </p:grpSpPr>
+            <p:sp>
+              <p:nvSpPr>
+                <p:cNvPr id="33" name="직사각형 32">
+                  <a:extLst>
+                    <a:ext uri="{FF2B5EF4-FFF2-40B4-BE49-F238E27FC236}">
+                      <a16:creationId xmlns:a16="http://schemas.microsoft.com/office/drawing/2014/main" id="{FD39AD7A-7EC5-F0CF-241C-9BC66B9F29EC}"/>
+                    </a:ext>
+                  </a:extLst>
+                </p:cNvPr>
+                <p:cNvSpPr>
+                  <a:spLocks/>
+                </p:cNvSpPr>
+                <p:nvPr/>
+              </p:nvSpPr>
+              <p:spPr>
+                <a:xfrm>
+                  <a:off x="6236103" y="2613655"/>
+                  <a:ext cx="2412593" cy="396246"/>
+                </a:xfrm>
+                <a:prstGeom prst="rect">
+                  <a:avLst/>
+                </a:prstGeom>
+                <a:noFill/>
+                <a:ln w="19050">
+                  <a:solidFill>
+                    <a:schemeClr val="tx1"/>
+                  </a:solidFill>
+                </a:ln>
+              </p:spPr>
+              <p:style>
+                <a:lnRef idx="2">
+                  <a:schemeClr val="accent1">
+                    <a:shade val="50000"/>
+                  </a:schemeClr>
+                </a:lnRef>
+                <a:fillRef idx="1">
+                  <a:schemeClr val="accent1"/>
+                </a:fillRef>
+                <a:effectRef idx="0">
+                  <a:schemeClr val="accent1"/>
+                </a:effectRef>
+                <a:fontRef idx="minor">
+                  <a:schemeClr val="lt1"/>
+                </a:fontRef>
+              </p:style>
+              <p:txBody>
+                <a:bodyPr rtlCol="0" anchor="ctr"/>
+                <a:lstStyle/>
+                <a:p>
+                  <a:pPr algn="ctr"/>
+                  <a:endParaRPr lang="ko-KR" altLang="en-US"/>
+                </a:p>
+              </p:txBody>
+            </p:sp>
+            <p:sp>
+              <p:nvSpPr>
+                <p:cNvPr id="34" name="직사각형 33">
+                  <a:extLst>
+                    <a:ext uri="{FF2B5EF4-FFF2-40B4-BE49-F238E27FC236}">
+                      <a16:creationId xmlns:a16="http://schemas.microsoft.com/office/drawing/2014/main" id="{14F897BA-57B4-C5AE-45E8-E9CF3A8F1937}"/>
+                    </a:ext>
+                  </a:extLst>
+                </p:cNvPr>
+                <p:cNvSpPr>
+                  <a:spLocks/>
+                </p:cNvSpPr>
+                <p:nvPr/>
+              </p:nvSpPr>
+              <p:spPr>
+                <a:xfrm>
+                  <a:off x="6236103" y="3009901"/>
+                  <a:ext cx="2412593" cy="396246"/>
+                </a:xfrm>
+                <a:prstGeom prst="rect">
+                  <a:avLst/>
+                </a:prstGeom>
+                <a:noFill/>
+                <a:ln w="19050">
+                  <a:solidFill>
+                    <a:schemeClr val="tx1"/>
+                  </a:solidFill>
+                </a:ln>
+              </p:spPr>
+              <p:style>
+                <a:lnRef idx="2">
+                  <a:schemeClr val="accent1">
+                    <a:shade val="50000"/>
+                  </a:schemeClr>
+                </a:lnRef>
+                <a:fillRef idx="1">
+                  <a:schemeClr val="accent1"/>
+                </a:fillRef>
+                <a:effectRef idx="0">
+                  <a:schemeClr val="accent1"/>
+                </a:effectRef>
+                <a:fontRef idx="minor">
+                  <a:schemeClr val="lt1"/>
+                </a:fontRef>
+              </p:style>
+              <p:txBody>
+                <a:bodyPr rtlCol="0" anchor="ctr"/>
+                <a:lstStyle/>
+                <a:p>
+                  <a:pPr algn="ctr"/>
+                  <a:endParaRPr lang="ko-KR" altLang="en-US"/>
+                </a:p>
+              </p:txBody>
+            </p:sp>
+            <p:sp>
+              <p:nvSpPr>
+                <p:cNvPr id="35" name="직사각형 34">
+                  <a:extLst>
+                    <a:ext uri="{FF2B5EF4-FFF2-40B4-BE49-F238E27FC236}">
+                      <a16:creationId xmlns:a16="http://schemas.microsoft.com/office/drawing/2014/main" id="{D0AA827B-0319-C12A-F860-364DFC154920}"/>
+                    </a:ext>
+                  </a:extLst>
+                </p:cNvPr>
+                <p:cNvSpPr>
+                  <a:spLocks/>
+                </p:cNvSpPr>
+                <p:nvPr/>
+              </p:nvSpPr>
+              <p:spPr>
+                <a:xfrm>
+                  <a:off x="6236103" y="3406147"/>
+                  <a:ext cx="2412593" cy="396246"/>
+                </a:xfrm>
+                <a:prstGeom prst="rect">
+                  <a:avLst/>
+                </a:prstGeom>
+                <a:noFill/>
+                <a:ln w="19050">
+                  <a:solidFill>
+                    <a:schemeClr val="tx1"/>
+                  </a:solidFill>
+                </a:ln>
+              </p:spPr>
+              <p:style>
+                <a:lnRef idx="2">
+                  <a:schemeClr val="accent1">
+                    <a:shade val="50000"/>
+                  </a:schemeClr>
+                </a:lnRef>
+                <a:fillRef idx="1">
+                  <a:schemeClr val="accent1"/>
+                </a:fillRef>
+                <a:effectRef idx="0">
+                  <a:schemeClr val="accent1"/>
+                </a:effectRef>
+                <a:fontRef idx="minor">
+                  <a:schemeClr val="lt1"/>
+                </a:fontRef>
+              </p:style>
+              <p:txBody>
+                <a:bodyPr rtlCol="0" anchor="ctr"/>
+                <a:lstStyle/>
+                <a:p>
+                  <a:pPr algn="ctr"/>
+                  <a:endParaRPr lang="ko-KR" altLang="en-US"/>
+                </a:p>
+              </p:txBody>
+            </p:sp>
+            <p:sp>
+              <p:nvSpPr>
+                <p:cNvPr id="36" name="직사각형 35">
+                  <a:extLst>
+                    <a:ext uri="{FF2B5EF4-FFF2-40B4-BE49-F238E27FC236}">
+                      <a16:creationId xmlns:a16="http://schemas.microsoft.com/office/drawing/2014/main" id="{5A3D7A9A-F2BD-0030-E1A1-AF103AFAD536}"/>
+                    </a:ext>
+                  </a:extLst>
+                </p:cNvPr>
+                <p:cNvSpPr>
+                  <a:spLocks/>
+                </p:cNvSpPr>
+                <p:nvPr/>
+              </p:nvSpPr>
+              <p:spPr>
+                <a:xfrm>
+                  <a:off x="6236103" y="3802393"/>
+                  <a:ext cx="2412593" cy="396246"/>
+                </a:xfrm>
+                <a:prstGeom prst="rect">
+                  <a:avLst/>
+                </a:prstGeom>
+                <a:noFill/>
+                <a:ln w="19050">
+                  <a:solidFill>
+                    <a:schemeClr val="tx1"/>
+                  </a:solidFill>
+                </a:ln>
+              </p:spPr>
+              <p:style>
+                <a:lnRef idx="2">
+                  <a:schemeClr val="accent1">
+                    <a:shade val="50000"/>
+                  </a:schemeClr>
+                </a:lnRef>
+                <a:fillRef idx="1">
+                  <a:schemeClr val="accent1"/>
+                </a:fillRef>
+                <a:effectRef idx="0">
+                  <a:schemeClr val="accent1"/>
+                </a:effectRef>
+                <a:fontRef idx="minor">
+                  <a:schemeClr val="lt1"/>
+                </a:fontRef>
+              </p:style>
+              <p:txBody>
+                <a:bodyPr rtlCol="0" anchor="ctr"/>
+                <a:lstStyle/>
+                <a:p>
+                  <a:pPr algn="ctr"/>
+                  <a:endParaRPr lang="ko-KR" altLang="en-US"/>
+                </a:p>
+              </p:txBody>
+            </p:sp>
+            <p:sp>
+              <p:nvSpPr>
+                <p:cNvPr id="37" name="직사각형 36">
+                  <a:extLst>
+                    <a:ext uri="{FF2B5EF4-FFF2-40B4-BE49-F238E27FC236}">
+                      <a16:creationId xmlns:a16="http://schemas.microsoft.com/office/drawing/2014/main" id="{17AC3404-ED55-F899-FAFD-ADAF26A83B29}"/>
+                    </a:ext>
+                  </a:extLst>
+                </p:cNvPr>
+                <p:cNvSpPr>
+                  <a:spLocks/>
+                </p:cNvSpPr>
+                <p:nvPr/>
+              </p:nvSpPr>
+              <p:spPr>
+                <a:xfrm>
+                  <a:off x="6236103" y="4198639"/>
+                  <a:ext cx="2412593" cy="396246"/>
+                </a:xfrm>
+                <a:prstGeom prst="rect">
+                  <a:avLst/>
+                </a:prstGeom>
+                <a:noFill/>
+                <a:ln w="19050">
+                  <a:solidFill>
+                    <a:schemeClr val="tx1"/>
+                  </a:solidFill>
+                </a:ln>
+              </p:spPr>
+              <p:style>
+                <a:lnRef idx="2">
+                  <a:schemeClr val="accent1">
+                    <a:shade val="50000"/>
+                  </a:schemeClr>
+                </a:lnRef>
+                <a:fillRef idx="1">
+                  <a:schemeClr val="accent1"/>
+                </a:fillRef>
+                <a:effectRef idx="0">
+                  <a:schemeClr val="accent1"/>
+                </a:effectRef>
+                <a:fontRef idx="minor">
+                  <a:schemeClr val="lt1"/>
+                </a:fontRef>
+              </p:style>
+              <p:txBody>
+                <a:bodyPr rtlCol="0" anchor="ctr"/>
+                <a:lstStyle/>
+                <a:p>
+                  <a:pPr algn="ctr"/>
+                  <a:endParaRPr lang="ko-KR" altLang="en-US"/>
+                </a:p>
+              </p:txBody>
+            </p:sp>
+            <p:sp>
+              <p:nvSpPr>
+                <p:cNvPr id="38" name="직사각형 37">
+                  <a:extLst>
+                    <a:ext uri="{FF2B5EF4-FFF2-40B4-BE49-F238E27FC236}">
+                      <a16:creationId xmlns:a16="http://schemas.microsoft.com/office/drawing/2014/main" id="{1CE514EC-A5F2-F598-4FBD-AA363D35A3E4}"/>
+                    </a:ext>
+                  </a:extLst>
+                </p:cNvPr>
+                <p:cNvSpPr>
+                  <a:spLocks/>
+                </p:cNvSpPr>
+                <p:nvPr/>
+              </p:nvSpPr>
+              <p:spPr>
+                <a:xfrm>
+                  <a:off x="6236103" y="4594885"/>
+                  <a:ext cx="2412593" cy="396246"/>
+                </a:xfrm>
+                <a:prstGeom prst="rect">
+                  <a:avLst/>
+                </a:prstGeom>
+                <a:noFill/>
+                <a:ln w="19050">
+                  <a:solidFill>
+                    <a:schemeClr val="tx1"/>
+                  </a:solidFill>
+                </a:ln>
+              </p:spPr>
+              <p:style>
+                <a:lnRef idx="2">
+                  <a:schemeClr val="accent1">
+                    <a:shade val="50000"/>
+                  </a:schemeClr>
+                </a:lnRef>
+                <a:fillRef idx="1">
+                  <a:schemeClr val="accent1"/>
+                </a:fillRef>
+                <a:effectRef idx="0">
+                  <a:schemeClr val="accent1"/>
+                </a:effectRef>
+                <a:fontRef idx="minor">
+                  <a:schemeClr val="lt1"/>
+                </a:fontRef>
+              </p:style>
+              <p:txBody>
+                <a:bodyPr rtlCol="0" anchor="ctr"/>
+                <a:lstStyle/>
+                <a:p>
+                  <a:pPr algn="ctr"/>
+                  <a:endParaRPr lang="ko-KR" altLang="en-US"/>
+                </a:p>
+              </p:txBody>
+            </p:sp>
+            <p:sp>
+              <p:nvSpPr>
+                <p:cNvPr id="39" name="직사각형 38">
+                  <a:extLst>
+                    <a:ext uri="{FF2B5EF4-FFF2-40B4-BE49-F238E27FC236}">
+                      <a16:creationId xmlns:a16="http://schemas.microsoft.com/office/drawing/2014/main" id="{48F6E170-833D-AB89-C60D-D804B3309B3E}"/>
+                    </a:ext>
+                  </a:extLst>
+                </p:cNvPr>
+                <p:cNvSpPr>
+                  <a:spLocks/>
+                </p:cNvSpPr>
+                <p:nvPr/>
+              </p:nvSpPr>
+              <p:spPr>
+                <a:xfrm>
+                  <a:off x="6236103" y="4991131"/>
+                  <a:ext cx="2412593" cy="396246"/>
+                </a:xfrm>
+                <a:prstGeom prst="rect">
+                  <a:avLst/>
+                </a:prstGeom>
+                <a:noFill/>
+                <a:ln w="19050">
+                  <a:solidFill>
+                    <a:schemeClr val="tx1"/>
+                  </a:solidFill>
+                </a:ln>
+              </p:spPr>
+              <p:style>
+                <a:lnRef idx="2">
+                  <a:schemeClr val="accent1">
+                    <a:shade val="50000"/>
+                  </a:schemeClr>
+                </a:lnRef>
+                <a:fillRef idx="1">
+                  <a:schemeClr val="accent1"/>
+                </a:fillRef>
+                <a:effectRef idx="0">
+                  <a:schemeClr val="accent1"/>
+                </a:effectRef>
+                <a:fontRef idx="minor">
+                  <a:schemeClr val="lt1"/>
+                </a:fontRef>
+              </p:style>
+              <p:txBody>
+                <a:bodyPr rtlCol="0" anchor="ctr"/>
+                <a:lstStyle/>
+                <a:p>
+                  <a:pPr algn="ctr"/>
+                  <a:endParaRPr lang="ko-KR" altLang="en-US"/>
+                </a:p>
+              </p:txBody>
+            </p:sp>
+          </p:grpSp>
+          <p:cxnSp>
+            <p:nvCxnSpPr>
+              <p:cNvPr id="42" name="직선 연결선 41">
+                <a:extLst>
+                  <a:ext uri="{FF2B5EF4-FFF2-40B4-BE49-F238E27FC236}">
+                    <a16:creationId xmlns:a16="http://schemas.microsoft.com/office/drawing/2014/main" id="{3FF0FBBE-FCC0-A69C-77B1-D4E9AD6BAA20}"/>
+                  </a:ext>
+                </a:extLst>
+              </p:cNvPr>
+              <p:cNvCxnSpPr>
+                <a:cxnSpLocks/>
+              </p:cNvCxnSpPr>
+              <p:nvPr/>
+            </p:nvCxnSpPr>
+            <p:spPr>
+              <a:xfrm>
+                <a:off x="8648696" y="2617132"/>
+                <a:ext cx="0" cy="3456497"/>
+              </a:xfrm>
+              <a:prstGeom prst="line">
+                <a:avLst/>
+              </a:prstGeom>
+              <a:ln w="19050">
+                <a:solidFill>
+                  <a:schemeClr val="tx1"/>
+                </a:solidFill>
+              </a:ln>
+            </p:spPr>
+            <p:style>
+              <a:lnRef idx="1">
+                <a:schemeClr val="accent1"/>
+              </a:lnRef>
+              <a:fillRef idx="0">
+                <a:schemeClr val="accent1"/>
+              </a:fillRef>
+              <a:effectRef idx="0">
+                <a:schemeClr val="accent1"/>
+              </a:effectRef>
+              <a:fontRef idx="minor">
+                <a:schemeClr val="tx1"/>
+              </a:fontRef>
+            </p:style>
+          </p:cxnSp>
+        </p:grpSp>
+        <p:sp>
+          <p:nvSpPr>
+            <p:cNvPr id="44" name="TextBox 43">
+              <a:extLst>
+                <a:ext uri="{FF2B5EF4-FFF2-40B4-BE49-F238E27FC236}">
+                  <a16:creationId xmlns:a16="http://schemas.microsoft.com/office/drawing/2014/main" id="{61E3D415-43B6-9248-9A73-8BC1691A4D76}"/>
+                </a:ext>
+              </a:extLst>
+            </p:cNvPr>
+            <p:cNvSpPr txBox="1">
+              <a:spLocks/>
+            </p:cNvSpPr>
+            <p:nvPr/>
+          </p:nvSpPr>
+          <p:spPr>
+            <a:xfrm>
+              <a:off x="3962747" y="666390"/>
+              <a:ext cx="3913251" cy="600164"/>
+            </a:xfrm>
+            <a:prstGeom prst="rect">
+              <a:avLst/>
+            </a:prstGeom>
+            <a:noFill/>
+          </p:spPr>
+          <p:txBody>
+            <a:bodyPr wrap="none" rtlCol="0">
+              <a:spAutoFit/>
+            </a:bodyPr>
+            <a:lstStyle/>
+            <a:p>
+              <a:r>
+                <a:rPr lang="ko-KR" altLang="en-US" sz="1100" dirty="0"/>
+                <a:t>취급자 </a:t>
+              </a:r>
+              <a:r>
+                <a:rPr lang="en-US" altLang="ko-KR" sz="1100" dirty="0"/>
+                <a:t>: </a:t>
+              </a:r>
+              <a:r>
+                <a:rPr lang="ko-KR" altLang="en-US" sz="1100" dirty="0" err="1"/>
+                <a:t>백두대간영농조합법인</a:t>
+              </a:r>
+              <a:r>
+                <a:rPr lang="ko-KR" altLang="en-US" sz="1100" dirty="0"/>
+                <a:t> </a:t>
+              </a:r>
+              <a:r>
+                <a:rPr lang="en-US" altLang="ko-KR" sz="1100" dirty="0"/>
+                <a:t>( </a:t>
+              </a:r>
+              <a:r>
+                <a:rPr lang="ko-KR" altLang="en-US" sz="1100" dirty="0"/>
+                <a:t>전화번호 </a:t>
+              </a:r>
+              <a:r>
+                <a:rPr lang="en-US" altLang="ko-KR" sz="1100" dirty="0"/>
+                <a:t>: 033-732-2561)</a:t>
+              </a:r>
+            </a:p>
+            <a:p>
+              <a:r>
+                <a:rPr lang="ko-KR" altLang="en-US" sz="1100" dirty="0"/>
+                <a:t>포장장소 </a:t>
+              </a:r>
+              <a:r>
+                <a:rPr lang="en-US" altLang="ko-KR" sz="1100" dirty="0"/>
+                <a:t>(</a:t>
+              </a:r>
+              <a:r>
+                <a:rPr lang="ko-KR" altLang="en-US" sz="1100" dirty="0"/>
+                <a:t>생산지</a:t>
+              </a:r>
+              <a:r>
+                <a:rPr lang="en-US" altLang="ko-KR" sz="1100" dirty="0"/>
+                <a:t>) : </a:t>
+              </a:r>
+              <a:r>
+                <a:rPr lang="ko-KR" altLang="en-US" sz="1100" dirty="0"/>
+                <a:t>강원도 원주시 </a:t>
+              </a:r>
+              <a:r>
+                <a:rPr lang="ko-KR" altLang="en-US" sz="1100" dirty="0" err="1"/>
+                <a:t>저금어지길</a:t>
+              </a:r>
+              <a:r>
+                <a:rPr lang="ko-KR" altLang="en-US" sz="1100" dirty="0"/>
+                <a:t> </a:t>
+              </a:r>
+              <a:r>
+                <a:rPr lang="en-US" altLang="ko-KR" sz="1100" dirty="0"/>
+                <a:t>456</a:t>
+              </a:r>
+            </a:p>
+            <a:p>
+              <a:r>
+                <a:rPr lang="ko-KR" altLang="en-US" sz="1100" dirty="0"/>
+                <a:t>인증품목 </a:t>
+              </a:r>
+              <a:r>
+                <a:rPr lang="en-US" altLang="ko-KR" sz="1100" dirty="0"/>
+                <a:t>: </a:t>
+              </a:r>
+              <a:r>
+                <a:rPr lang="ko-KR" altLang="en-US" sz="1100" dirty="0"/>
+                <a:t>돼지</a:t>
+              </a:r>
+              <a:r>
+                <a:rPr lang="en-US" altLang="ko-KR" sz="1100" dirty="0"/>
+                <a:t>(</a:t>
+              </a:r>
+              <a:r>
+                <a:rPr lang="ko-KR" altLang="en-US" sz="1100" dirty="0"/>
+                <a:t>식육</a:t>
+              </a:r>
+              <a:r>
+                <a:rPr lang="en-US" altLang="ko-KR" sz="1100" dirty="0"/>
+                <a:t>) (</a:t>
+              </a:r>
+              <a:r>
+                <a:rPr lang="ko-KR" altLang="en-US" sz="1100" dirty="0" err="1"/>
+                <a:t>무항생제축산물</a:t>
+              </a:r>
+              <a:r>
+                <a:rPr lang="en-US" altLang="ko-KR" sz="1100" dirty="0"/>
+                <a:t>)</a:t>
+              </a:r>
+              <a:endParaRPr lang="ko-KR" altLang="en-US" sz="1100" dirty="0"/>
+            </a:p>
+          </p:txBody>
+        </p:sp>
+        <p:sp>
+          <p:nvSpPr>
+            <p:cNvPr id="45" name="TextBox 44">
+              <a:extLst>
+                <a:ext uri="{FF2B5EF4-FFF2-40B4-BE49-F238E27FC236}">
+                  <a16:creationId xmlns:a16="http://schemas.microsoft.com/office/drawing/2014/main" id="{35B5FDD4-628A-B937-8A2A-EB2D6B0FDC4A}"/>
+                </a:ext>
+              </a:extLst>
+            </p:cNvPr>
+            <p:cNvSpPr txBox="1">
+              <a:spLocks/>
+            </p:cNvSpPr>
+            <p:nvPr/>
+          </p:nvSpPr>
+          <p:spPr>
+            <a:xfrm>
+              <a:off x="5116255" y="359652"/>
+              <a:ext cx="2042547" cy="307777"/>
+            </a:xfrm>
+            <a:prstGeom prst="rect">
+              <a:avLst/>
+            </a:prstGeom>
+            <a:noFill/>
+          </p:spPr>
+          <p:txBody>
+            <a:bodyPr wrap="none" rtlCol="0">
+              <a:spAutoFit/>
+            </a:bodyPr>
+            <a:lstStyle/>
+            <a:p>
+              <a:r>
+                <a:rPr lang="ko-KR" altLang="en-US" sz="1400" b="1" dirty="0"/>
+                <a:t>친환경축산물 표시사항</a:t>
+              </a:r>
+            </a:p>
+          </p:txBody>
+        </p:sp>
+        <p:pic>
+          <p:nvPicPr>
+            <p:cNvPr id="1026" name="Picture 2" descr="살충제 계란 파장] '친환경 계란'의 배신">
+              <a:extLst>
+                <a:ext uri="{FF2B5EF4-FFF2-40B4-BE49-F238E27FC236}">
+                  <a16:creationId xmlns:a16="http://schemas.microsoft.com/office/drawing/2014/main" id="{362CA206-0795-5556-E437-A8699C313A51}"/>
+                </a:ext>
+              </a:extLst>
+            </p:cNvPr>
+            <p:cNvPicPr>
+              <a:picLocks noChangeAspect="1"/>
+            </p:cNvPicPr>
+            <p:nvPr/>
+          </p:nvPicPr>
+          <p:blipFill>
+            <a:blip r:embed="rId2">
+              <a:extLst>
+                <a:ext uri="{28A0092B-C50C-407E-A947-70E740481C1C}">
+                  <a14:useLocalDpi xmlns:a14="http://schemas.microsoft.com/office/drawing/2010/main" val="0"/>
+                </a:ext>
+              </a:extLst>
+            </a:blip>
+            <a:srcRect/>
+            <a:stretch>
+              <a:fillRect/>
+            </a:stretch>
+          </p:blipFill>
+          <p:spPr bwMode="auto">
+            <a:xfrm>
+              <a:off x="3399424" y="681015"/>
+              <a:ext cx="499018" cy="465186"/>
+            </a:xfrm>
+            <a:prstGeom prst="rect">
+              <a:avLst/>
+            </a:prstGeom>
+            <a:noFill/>
+            <a:extLst>
+              <a:ext uri="{909E8E84-426E-40DD-AFC4-6F175D3DCCD1}">
+                <a14:hiddenFill xmlns:a14="http://schemas.microsoft.com/office/drawing/2010/main">
+                  <a:solidFill>
+                    <a:srgbClr val="FFFFFF"/>
+                  </a:solidFill>
+                </a14:hiddenFill>
+              </a:ext>
+            </a:extLst>
+          </p:spPr>
+        </p:pic>
+        <p:pic>
+          <p:nvPicPr>
+            <p:cNvPr id="1028" name="Picture 4" descr="HACCP 인증 마크 햇섭이란? [ai 파일나눔] : 네이버 블로그">
+              <a:extLst>
+                <a:ext uri="{FF2B5EF4-FFF2-40B4-BE49-F238E27FC236}">
+                  <a16:creationId xmlns:a16="http://schemas.microsoft.com/office/drawing/2014/main" id="{A2B6C6DD-803C-F1A6-1AE4-0318AFC6C133}"/>
+                </a:ext>
+              </a:extLst>
+            </p:cNvPr>
+            <p:cNvPicPr>
+              <a:picLocks noChangeAspect="1"/>
+            </p:cNvPicPr>
+            <p:nvPr/>
+          </p:nvPicPr>
+          <p:blipFill rotWithShape="1">
+            <a:blip r:embed="rId3">
+              <a:extLst>
+                <a:ext uri="{28A0092B-C50C-407E-A947-70E740481C1C}">
+                  <a14:useLocalDpi xmlns:a14="http://schemas.microsoft.com/office/drawing/2010/main" val="0"/>
+                </a:ext>
+              </a:extLst>
+            </a:blip>
+            <a:srcRect l="4854" t="5061" r="4610" b="3866"/>
+            <a:stretch/>
+          </p:blipFill>
+          <p:spPr bwMode="auto">
+            <a:xfrm>
+              <a:off x="8390026" y="697792"/>
+              <a:ext cx="539649" cy="542860"/>
+            </a:xfrm>
+            <a:prstGeom prst="rect">
+              <a:avLst/>
+            </a:prstGeom>
+            <a:noFill/>
+            <a:extLst>
+              <a:ext uri="{909E8E84-426E-40DD-AFC4-6F175D3DCCD1}">
+                <a14:hiddenFill xmlns:a14="http://schemas.microsoft.com/office/drawing/2010/main">
+                  <a:solidFill>
+                    <a:srgbClr val="FFFFFF"/>
+                  </a:solidFill>
+                </a14:hiddenFill>
+              </a:ext>
+            </a:extLst>
+          </p:spPr>
+        </p:pic>
+        <p:sp>
+          <p:nvSpPr>
+            <p:cNvPr id="46" name="TextBox 45">
+              <a:extLst>
+                <a:ext uri="{FF2B5EF4-FFF2-40B4-BE49-F238E27FC236}">
+                  <a16:creationId xmlns:a16="http://schemas.microsoft.com/office/drawing/2014/main" id="{52BAADB9-8E2F-3336-E1C3-6CB2D4925D25}"/>
+                </a:ext>
+              </a:extLst>
+            </p:cNvPr>
+            <p:cNvSpPr txBox="1">
+              <a:spLocks/>
+            </p:cNvSpPr>
+            <p:nvPr/>
+          </p:nvSpPr>
+          <p:spPr>
+            <a:xfrm>
+              <a:off x="3295446" y="1471718"/>
+              <a:ext cx="723275" cy="307777"/>
+            </a:xfrm>
+            <a:prstGeom prst="rect">
+              <a:avLst/>
+            </a:prstGeom>
+            <a:noFill/>
+          </p:spPr>
+          <p:txBody>
+            <a:bodyPr wrap="none" rtlCol="0">
+              <a:spAutoFit/>
+            </a:bodyPr>
+            <a:lstStyle/>
+            <a:p>
+              <a:r>
+                <a:rPr lang="ko-KR" altLang="en-US" sz="1400" dirty="0"/>
+                <a:t>제품명</a:t>
+              </a:r>
+            </a:p>
+          </p:txBody>
+        </p:sp>
+        <p:sp>
+          <p:nvSpPr>
+            <p:cNvPr id="47" name="TextBox 46">
+              <a:extLst>
+                <a:ext uri="{FF2B5EF4-FFF2-40B4-BE49-F238E27FC236}">
+                  <a16:creationId xmlns:a16="http://schemas.microsoft.com/office/drawing/2014/main" id="{FF710982-371D-C8D2-81A8-8C12EF1A289C}"/>
+                </a:ext>
+              </a:extLst>
+            </p:cNvPr>
+            <p:cNvSpPr txBox="1">
+              <a:spLocks/>
+            </p:cNvSpPr>
+            <p:nvPr/>
+          </p:nvSpPr>
+          <p:spPr>
+            <a:xfrm>
+              <a:off x="3292812" y="2132076"/>
+              <a:ext cx="723275" cy="307777"/>
+            </a:xfrm>
+            <a:prstGeom prst="rect">
+              <a:avLst/>
+            </a:prstGeom>
+            <a:noFill/>
+          </p:spPr>
+          <p:txBody>
+            <a:bodyPr wrap="none" rtlCol="0">
+              <a:spAutoFit/>
+            </a:bodyPr>
+            <a:lstStyle/>
+            <a:p>
+              <a:r>
+                <a:rPr lang="ko-KR" altLang="en-US" sz="1400" dirty="0" err="1"/>
+                <a:t>부위명</a:t>
+              </a:r>
+              <a:endParaRPr lang="ko-KR" altLang="en-US" sz="1400" dirty="0"/>
+            </a:p>
+          </p:txBody>
+        </p:sp>
+        <p:sp>
+          <p:nvSpPr>
+            <p:cNvPr id="48" name="TextBox 47">
+              <a:extLst>
+                <a:ext uri="{FF2B5EF4-FFF2-40B4-BE49-F238E27FC236}">
+                  <a16:creationId xmlns:a16="http://schemas.microsoft.com/office/drawing/2014/main" id="{E275DAD1-6BE4-2032-094F-2FA9268A9D3C}"/>
+                </a:ext>
+              </a:extLst>
+            </p:cNvPr>
+            <p:cNvSpPr txBox="1">
+              <a:spLocks/>
+            </p:cNvSpPr>
+            <p:nvPr/>
+          </p:nvSpPr>
+          <p:spPr>
+            <a:xfrm>
+              <a:off x="3292812" y="2633800"/>
+              <a:ext cx="731290" cy="307777"/>
+            </a:xfrm>
+            <a:prstGeom prst="rect">
+              <a:avLst/>
+            </a:prstGeom>
+            <a:noFill/>
+          </p:spPr>
+          <p:txBody>
+            <a:bodyPr wrap="none" rtlCol="0">
+              <a:spAutoFit/>
+            </a:bodyPr>
+            <a:lstStyle/>
+            <a:p>
+              <a:r>
+                <a:rPr lang="ko-KR" altLang="en-US" sz="1400" dirty="0"/>
+                <a:t>중   량</a:t>
+              </a:r>
+            </a:p>
+          </p:txBody>
+        </p:sp>
+        <p:sp>
+          <p:nvSpPr>
+            <p:cNvPr id="51" name="TextBox 50">
+              <a:extLst>
+                <a:ext uri="{FF2B5EF4-FFF2-40B4-BE49-F238E27FC236}">
+                  <a16:creationId xmlns:a16="http://schemas.microsoft.com/office/drawing/2014/main" id="{BA9CD942-5E67-03D9-106A-243C154DE74A}"/>
+                </a:ext>
+              </a:extLst>
+            </p:cNvPr>
+            <p:cNvSpPr txBox="1">
+              <a:spLocks/>
+            </p:cNvSpPr>
+            <p:nvPr/>
+          </p:nvSpPr>
+          <p:spPr>
+            <a:xfrm>
+              <a:off x="3292812" y="3702264"/>
+              <a:ext cx="723275" cy="307777"/>
+            </a:xfrm>
+            <a:prstGeom prst="rect">
+              <a:avLst/>
+            </a:prstGeom>
+            <a:noFill/>
+          </p:spPr>
+          <p:txBody>
+            <a:bodyPr wrap="none" rtlCol="0">
+              <a:spAutoFit/>
+            </a:bodyPr>
+            <a:lstStyle/>
+            <a:p>
+              <a:r>
+                <a:rPr lang="ko-KR" altLang="en-US" sz="1400" dirty="0"/>
+                <a:t>도축장</a:t>
+              </a:r>
+            </a:p>
+          </p:txBody>
+        </p:sp>
+        <p:sp>
+          <p:nvSpPr>
+            <p:cNvPr id="52" name="TextBox 51">
+              <a:extLst>
+                <a:ext uri="{FF2B5EF4-FFF2-40B4-BE49-F238E27FC236}">
+                  <a16:creationId xmlns:a16="http://schemas.microsoft.com/office/drawing/2014/main" id="{500C2D95-C578-B2CE-4059-5B8A3E193DE4}"/>
+                </a:ext>
+              </a:extLst>
+            </p:cNvPr>
+            <p:cNvSpPr txBox="1">
+              <a:spLocks/>
+            </p:cNvSpPr>
+            <p:nvPr/>
+          </p:nvSpPr>
+          <p:spPr>
+            <a:xfrm>
+              <a:off x="3292812" y="4051887"/>
+              <a:ext cx="723275" cy="307777"/>
+            </a:xfrm>
+            <a:prstGeom prst="rect">
+              <a:avLst/>
+            </a:prstGeom>
+            <a:noFill/>
+          </p:spPr>
+          <p:txBody>
+            <a:bodyPr wrap="none" rtlCol="0">
+              <a:spAutoFit/>
+            </a:bodyPr>
+            <a:lstStyle/>
+            <a:p>
+              <a:r>
+                <a:rPr lang="ko-KR" altLang="en-US" sz="1400" dirty="0"/>
+                <a:t>원산지</a:t>
+              </a:r>
+            </a:p>
+          </p:txBody>
+        </p:sp>
+        <p:sp>
+          <p:nvSpPr>
+            <p:cNvPr id="54" name="TextBox 53">
+              <a:extLst>
+                <a:ext uri="{FF2B5EF4-FFF2-40B4-BE49-F238E27FC236}">
+                  <a16:creationId xmlns:a16="http://schemas.microsoft.com/office/drawing/2014/main" id="{706C588E-D79F-2BD2-2D4B-919CE589C77D}"/>
+                </a:ext>
+              </a:extLst>
+            </p:cNvPr>
+            <p:cNvSpPr txBox="1">
+              <a:spLocks/>
+            </p:cNvSpPr>
+            <p:nvPr/>
+          </p:nvSpPr>
+          <p:spPr>
+            <a:xfrm>
+              <a:off x="3626315" y="4771157"/>
+              <a:ext cx="1683474" cy="307777"/>
+            </a:xfrm>
+            <a:prstGeom prst="rect">
+              <a:avLst/>
+            </a:prstGeom>
+            <a:noFill/>
+          </p:spPr>
+          <p:txBody>
+            <a:bodyPr wrap="none" rtlCol="0">
+              <a:spAutoFit/>
+            </a:bodyPr>
+            <a:lstStyle/>
+            <a:p>
+              <a:r>
+                <a:rPr lang="ko-KR" altLang="en-US" sz="1400" dirty="0"/>
+                <a:t>이 력 </a:t>
+              </a:r>
+              <a:r>
+                <a:rPr lang="en-US" altLang="ko-KR" sz="1400" dirty="0"/>
+                <a:t>(</a:t>
+              </a:r>
+              <a:r>
+                <a:rPr lang="ko-KR" altLang="en-US" sz="1400" dirty="0" err="1"/>
+                <a:t>묶</a:t>
+              </a:r>
+              <a:r>
+                <a:rPr lang="ko-KR" altLang="en-US" sz="1400" dirty="0"/>
+                <a:t> 음</a:t>
+              </a:r>
+              <a:r>
+                <a:rPr lang="en-US" altLang="ko-KR" sz="1400" dirty="0"/>
+                <a:t>) </a:t>
+              </a:r>
+              <a:r>
+                <a:rPr lang="ko-KR" altLang="en-US" sz="1400" dirty="0"/>
+                <a:t>번 호</a:t>
+              </a:r>
+            </a:p>
+          </p:txBody>
+        </p:sp>
+        <p:sp>
+          <p:nvSpPr>
+            <p:cNvPr id="55" name="TextBox 54">
+              <a:extLst>
+                <a:ext uri="{FF2B5EF4-FFF2-40B4-BE49-F238E27FC236}">
+                  <a16:creationId xmlns:a16="http://schemas.microsoft.com/office/drawing/2014/main" id="{5B06D76F-3424-6799-9DD0-46921D0740BE}"/>
+                </a:ext>
+              </a:extLst>
+            </p:cNvPr>
+            <p:cNvSpPr txBox="1">
+              <a:spLocks/>
+            </p:cNvSpPr>
+            <p:nvPr/>
+          </p:nvSpPr>
+          <p:spPr>
+            <a:xfrm>
+              <a:off x="5995541" y="5685328"/>
+              <a:ext cx="2696572" cy="261610"/>
+            </a:xfrm>
+            <a:prstGeom prst="rect">
+              <a:avLst/>
+            </a:prstGeom>
+            <a:noFill/>
+          </p:spPr>
+          <p:txBody>
+            <a:bodyPr wrap="none" rtlCol="0">
+              <a:spAutoFit/>
+            </a:bodyPr>
+            <a:lstStyle/>
+            <a:p>
+              <a:r>
+                <a:rPr lang="ko-KR" altLang="en-US" sz="1100" dirty="0"/>
+                <a:t>부정</a:t>
+              </a:r>
+              <a:r>
+                <a:rPr lang="en-US" altLang="ko-KR" sz="1100" dirty="0"/>
+                <a:t>, </a:t>
+              </a:r>
+              <a:r>
+                <a:rPr lang="ko-KR" altLang="en-US" sz="1100" dirty="0"/>
+                <a:t>불량축산물 신고는 국번없이 </a:t>
+              </a:r>
+              <a:r>
+                <a:rPr lang="en-US" altLang="ko-KR" sz="1100" dirty="0"/>
+                <a:t>1399</a:t>
+              </a:r>
+              <a:endParaRPr lang="ko-KR" altLang="en-US" sz="1100" dirty="0"/>
+            </a:p>
+          </p:txBody>
+        </p:sp>
+        <p:sp>
+          <p:nvSpPr>
+            <p:cNvPr id="56" name="TextBox 55">
+              <a:extLst>
+                <a:ext uri="{FF2B5EF4-FFF2-40B4-BE49-F238E27FC236}">
+                  <a16:creationId xmlns:a16="http://schemas.microsoft.com/office/drawing/2014/main" id="{2D76073C-76A3-D9E7-DB67-BEEA0DF65D8B}"/>
+                </a:ext>
+              </a:extLst>
+            </p:cNvPr>
+            <p:cNvSpPr txBox="1">
+              <a:spLocks/>
+            </p:cNvSpPr>
+            <p:nvPr/>
+          </p:nvSpPr>
+          <p:spPr>
+            <a:xfrm>
+              <a:off x="6097207" y="1981120"/>
+              <a:ext cx="389850" cy="215444"/>
+            </a:xfrm>
+            <a:prstGeom prst="rect">
+              <a:avLst/>
+            </a:prstGeom>
+            <a:noFill/>
+          </p:spPr>
+          <p:txBody>
+            <a:bodyPr wrap="none" rtlCol="0">
+              <a:spAutoFit/>
+            </a:bodyPr>
+            <a:lstStyle/>
+            <a:p>
+              <a:r>
+                <a:rPr lang="ko-KR" altLang="en-US" sz="800" dirty="0"/>
+                <a:t>유통</a:t>
+              </a:r>
+            </a:p>
+          </p:txBody>
+        </p:sp>
+        <p:sp>
+          <p:nvSpPr>
+            <p:cNvPr id="58" name="TextBox 57">
+              <a:extLst>
+                <a:ext uri="{FF2B5EF4-FFF2-40B4-BE49-F238E27FC236}">
+                  <a16:creationId xmlns:a16="http://schemas.microsoft.com/office/drawing/2014/main" id="{6CD14346-7D98-4D61-6339-FB78743FB417}"/>
+                </a:ext>
+              </a:extLst>
+            </p:cNvPr>
+            <p:cNvSpPr txBox="1">
+              <a:spLocks/>
+            </p:cNvSpPr>
+            <p:nvPr/>
+          </p:nvSpPr>
+          <p:spPr>
+            <a:xfrm>
+              <a:off x="3292812" y="3008281"/>
+              <a:ext cx="800219" cy="276999"/>
+            </a:xfrm>
+            <a:prstGeom prst="rect">
+              <a:avLst/>
+            </a:prstGeom>
+            <a:noFill/>
+          </p:spPr>
+          <p:txBody>
+            <a:bodyPr wrap="none" rtlCol="0">
+              <a:spAutoFit/>
+            </a:bodyPr>
+            <a:lstStyle/>
+            <a:p>
+              <a:r>
+                <a:rPr lang="ko-KR" altLang="en-US" sz="1200" dirty="0"/>
+                <a:t>제조일자</a:t>
+              </a:r>
+            </a:p>
+          </p:txBody>
+        </p:sp>
+        <p:sp>
+          <p:nvSpPr>
+            <p:cNvPr id="59" name="TextBox 58">
+              <a:extLst>
+                <a:ext uri="{FF2B5EF4-FFF2-40B4-BE49-F238E27FC236}">
+                  <a16:creationId xmlns:a16="http://schemas.microsoft.com/office/drawing/2014/main" id="{C89F04EC-8B8B-2DE1-E091-479EA882438D}"/>
+                </a:ext>
+              </a:extLst>
+            </p:cNvPr>
+            <p:cNvSpPr txBox="1">
+              <a:spLocks/>
+            </p:cNvSpPr>
+            <p:nvPr/>
+          </p:nvSpPr>
+          <p:spPr>
+            <a:xfrm>
+              <a:off x="3292812" y="3365249"/>
+              <a:ext cx="800219" cy="276999"/>
+            </a:xfrm>
+            <a:prstGeom prst="rect">
+              <a:avLst/>
+            </a:prstGeom>
+            <a:noFill/>
+          </p:spPr>
+          <p:txBody>
+            <a:bodyPr wrap="none" rtlCol="0">
+              <a:spAutoFit/>
+            </a:bodyPr>
+            <a:lstStyle/>
+            <a:p>
+              <a:r>
+                <a:rPr lang="ko-KR" altLang="en-US" sz="1200" dirty="0"/>
+                <a:t>유통기한</a:t>
+              </a:r>
+            </a:p>
+          </p:txBody>
+        </p:sp>
+        <p:sp>
+          <p:nvSpPr>
+            <p:cNvPr id="60" name="TextBox 59">
+              <a:extLst>
+                <a:ext uri="{FF2B5EF4-FFF2-40B4-BE49-F238E27FC236}">
+                  <a16:creationId xmlns:a16="http://schemas.microsoft.com/office/drawing/2014/main" id="{DC30C553-D834-E074-95FC-704552DCE491}"/>
+                </a:ext>
+              </a:extLst>
+            </p:cNvPr>
+            <p:cNvSpPr txBox="1">
+              <a:spLocks/>
+            </p:cNvSpPr>
+            <p:nvPr/>
+          </p:nvSpPr>
+          <p:spPr>
+            <a:xfrm>
+              <a:off x="3292812" y="4432075"/>
+              <a:ext cx="800219" cy="276999"/>
+            </a:xfrm>
+            <a:prstGeom prst="rect">
+              <a:avLst/>
+            </a:prstGeom>
+            <a:noFill/>
+          </p:spPr>
+          <p:txBody>
+            <a:bodyPr wrap="none" rtlCol="0">
+              <a:spAutoFit/>
+            </a:bodyPr>
+            <a:lstStyle/>
+            <a:p>
+              <a:r>
+                <a:rPr lang="ko-KR" altLang="en-US" sz="1200" dirty="0"/>
+                <a:t>보관방법</a:t>
+              </a:r>
+            </a:p>
+          </p:txBody>
+        </p:sp>
+        <p:sp>
+          <p:nvSpPr>
+            <p:cNvPr id="62" name="TextBox 61">
+              <a:extLst>
+                <a:ext uri="{FF2B5EF4-FFF2-40B4-BE49-F238E27FC236}">
+                  <a16:creationId xmlns:a16="http://schemas.microsoft.com/office/drawing/2014/main" id="{79D84BFA-1C14-DDBA-9361-C4881F8CDB21}"/>
+                </a:ext>
+              </a:extLst>
+            </p:cNvPr>
+            <p:cNvSpPr txBox="1"/>
+            <p:nvPr/>
+          </p:nvSpPr>
+          <p:spPr>
+            <a:xfrm>
+              <a:off x="4056191" y="1704498"/>
+              <a:ext cx="1027845" cy="246221"/>
+            </a:xfrm>
+            <a:prstGeom prst="rect">
+              <a:avLst/>
+            </a:prstGeom>
+            <a:noFill/>
+          </p:spPr>
+          <p:txBody>
+            <a:bodyPr wrap="none" rtlCol="0">
+              <a:spAutoFit/>
+            </a:bodyPr>
+            <a:lstStyle/>
+            <a:p>
+              <a:r>
+                <a:rPr lang="ko-KR" altLang="en-US" sz="1000" dirty="0"/>
+                <a:t>품목제조번호 </a:t>
+              </a:r>
+              <a:r>
+                <a:rPr lang="en-US" altLang="ko-KR" sz="1000" dirty="0"/>
+                <a:t>:</a:t>
+              </a:r>
+              <a:endParaRPr lang="ko-KR" altLang="en-US" sz="1000" dirty="0"/>
+            </a:p>
+          </p:txBody>
+        </p:sp>
+        <p:sp>
+          <p:nvSpPr>
+            <p:cNvPr id="2" name="TextBox 1">
+              <a:extLst>
+                <a:ext uri="{FF2B5EF4-FFF2-40B4-BE49-F238E27FC236}">
+                  <a16:creationId xmlns:a16="http://schemas.microsoft.com/office/drawing/2014/main" id="{293610CD-367E-23BE-72FC-68C511BFAD8B}"/>
+                </a:ext>
+              </a:extLst>
+            </p:cNvPr>
+            <p:cNvSpPr txBox="1"/>
+            <p:nvPr/>
+          </p:nvSpPr>
+          <p:spPr>
+            <a:xfrm>
+              <a:off x="3268060" y="1129104"/>
+              <a:ext cx="761747" cy="200055"/>
+            </a:xfrm>
+            <a:prstGeom prst="rect">
+              <a:avLst/>
+            </a:prstGeom>
+            <a:noFill/>
+          </p:spPr>
+          <p:txBody>
+            <a:bodyPr wrap="none" rtlCol="0">
+              <a:spAutoFit/>
+            </a:bodyPr>
+            <a:lstStyle/>
+            <a:p>
+              <a:r>
+                <a:rPr lang="ko-KR" altLang="en-US" sz="700" dirty="0"/>
+                <a:t>제</a:t>
+              </a:r>
+              <a:r>
+                <a:rPr lang="en-US" altLang="ko-KR" sz="700" dirty="0"/>
+                <a:t>11600222</a:t>
+              </a:r>
+              <a:r>
+                <a:rPr lang="ko-KR" altLang="en-US" sz="700" dirty="0"/>
+                <a:t>호</a:t>
+              </a:r>
+            </a:p>
+          </p:txBody>
+        </p:sp>
+        <p:sp>
+          <p:nvSpPr>
+            <p:cNvPr id="5" name="TextBox 4">
+              <a:extLst>
+                <a:ext uri="{FF2B5EF4-FFF2-40B4-BE49-F238E27FC236}">
+                  <a16:creationId xmlns:a16="http://schemas.microsoft.com/office/drawing/2014/main" id="{2EF8145A-A800-951C-DD07-D3FA8140ED99}"/>
+                </a:ext>
+              </a:extLst>
+            </p:cNvPr>
+            <p:cNvSpPr txBox="1">
+              <a:spLocks/>
+            </p:cNvSpPr>
+            <p:nvPr/>
+          </p:nvSpPr>
+          <p:spPr>
+            <a:xfrm>
+              <a:off x="6794253" y="1981120"/>
+              <a:ext cx="510076" cy="215444"/>
+            </a:xfrm>
+            <a:prstGeom prst="rect">
+              <a:avLst/>
+            </a:prstGeom>
+            <a:noFill/>
+          </p:spPr>
+          <p:txBody>
+            <a:bodyPr wrap="none" rtlCol="0">
+              <a:spAutoFit/>
+            </a:bodyPr>
+            <a:lstStyle/>
+            <a:p>
+              <a:r>
+                <a:rPr lang="en-US" altLang="ko-KR" sz="800"/>
+                <a:t>TC</a:t>
+              </a:r>
+              <a:r>
+                <a:rPr lang="ko-KR" altLang="en-US" sz="800" dirty="0"/>
+                <a:t>매입</a:t>
+              </a:r>
+            </a:p>
+          </p:txBody>
+        </p:sp>
+        <p:sp>
+          <p:nvSpPr>
+            <p:cNvPr id="7" name="TextBox 6">
+              <a:extLst>
+                <a:ext uri="{FF2B5EF4-FFF2-40B4-BE49-F238E27FC236}">
+                  <a16:creationId xmlns:a16="http://schemas.microsoft.com/office/drawing/2014/main" id="{B1751A33-4BDA-FBEE-0BBB-8619AAFDB6F7}"/>
+                </a:ext>
+              </a:extLst>
+            </p:cNvPr>
+            <p:cNvSpPr txBox="1">
+              <a:spLocks/>
+            </p:cNvSpPr>
+            <p:nvPr/>
+          </p:nvSpPr>
+          <p:spPr>
+            <a:xfrm>
+              <a:off x="7594035" y="1981120"/>
+              <a:ext cx="514885" cy="215444"/>
+            </a:xfrm>
+            <a:prstGeom prst="rect">
+              <a:avLst/>
+            </a:prstGeom>
+            <a:noFill/>
+          </p:spPr>
+          <p:txBody>
+            <a:bodyPr wrap="none" rtlCol="0">
+              <a:spAutoFit/>
+            </a:bodyPr>
+            <a:lstStyle/>
+            <a:p>
+              <a:r>
+                <a:rPr lang="en-US" altLang="ko-KR" sz="800"/>
+                <a:t>PC</a:t>
+              </a:r>
+              <a:r>
+                <a:rPr lang="ko-KR" altLang="en-US" sz="800" dirty="0"/>
+                <a:t>출하</a:t>
+              </a:r>
+            </a:p>
+          </p:txBody>
+        </p:sp>
+        <p:sp>
+          <p:nvSpPr>
+            <p:cNvPr id="8" name="TextBox 7">
+              <a:extLst>
+                <a:ext uri="{FF2B5EF4-FFF2-40B4-BE49-F238E27FC236}">
+                  <a16:creationId xmlns:a16="http://schemas.microsoft.com/office/drawing/2014/main" id="{9178B174-BA46-AED3-3B28-5E07506D78D7}"/>
+                </a:ext>
+              </a:extLst>
+            </p:cNvPr>
+            <p:cNvSpPr txBox="1">
+              <a:spLocks/>
+            </p:cNvSpPr>
+            <p:nvPr/>
+          </p:nvSpPr>
+          <p:spPr>
+            <a:xfrm>
+              <a:off x="8393770" y="1981120"/>
+              <a:ext cx="564578" cy="215444"/>
+            </a:xfrm>
+            <a:prstGeom prst="rect">
+              <a:avLst/>
+            </a:prstGeom>
+            <a:noFill/>
+          </p:spPr>
+          <p:txBody>
+            <a:bodyPr wrap="none" rtlCol="0">
+              <a:spAutoFit/>
+            </a:bodyPr>
+            <a:lstStyle/>
+            <a:p>
+              <a:r>
+                <a:rPr lang="en-US" altLang="ko-KR" sz="800"/>
+                <a:t>ERP</a:t>
+              </a:r>
+              <a:r>
+                <a:rPr lang="ko-KR" altLang="en-US" sz="800" dirty="0"/>
+                <a:t>매입</a:t>
+              </a:r>
+            </a:p>
+          </p:txBody>
+        </p:sp>
+      </p:grpSp>
+    </p:spTree>
+    <p:extLst>
+      <p:ext uri="{BB962C8B-B14F-4D97-AF65-F5344CB8AC3E}">
+        <p14:creationId xmlns:p14="http://schemas.microsoft.com/office/powerpoint/2010/main" val="2871088743"/>
+      </p:ext>
+    </p:extLst>
+  </p:cSld>
+  <p:clrMapOvr>
+    <a:masterClrMapping/>
+  </p:clrMapOvr>
+</p:sld>
+</file>
+
+<file path=ppt/slides/slide3.xml><?xml version="1.0" encoding="utf-8"?>
+<p:sld xmlns:a="http://schemas.openxmlformats.org/drawingml/2006/main" xmlns:r="http://schemas.openxmlformats.org/officeDocument/2006/relationships" xmlns:p="http://schemas.openxmlformats.org/presentationml/2006/main">
+  <p:cSld>
+    <p:spTree>
+      <p:nvGrpSpPr>
+        <p:cNvPr id="1" name=""/>
+        <p:cNvGrpSpPr/>
+        <p:nvPr/>
+      </p:nvGrpSpPr>
+      <p:grpSpPr>
+        <a:xfrm>
+          <a:off x="0" y="0"/>
+          <a:ext cx="0" cy="0"/>
+          <a:chOff x="0" y="0"/>
+          <a:chExt cx="0" cy="0"/>
+        </a:xfrm>
+      </p:grpSpPr>
+      <p:pic>
+        <p:nvPicPr>
+          <p:cNvPr id="4" name="그림 3">
+            <a:extLst>
+              <a:ext uri="{FF2B5EF4-FFF2-40B4-BE49-F238E27FC236}">
+                <a16:creationId xmlns:a16="http://schemas.microsoft.com/office/drawing/2014/main" id="{345C413E-7807-97A1-7BE9-0607D52E64BD}"/>
+              </a:ext>
+            </a:extLst>
+          </p:cNvPr>
+          <p:cNvPicPr>
+            <a:picLocks noChangeAspect="1"/>
+          </p:cNvPicPr>
+          <p:nvPr/>
+        </p:nvPicPr>
+        <p:blipFill>
+          <a:blip r:embed="rId2">
+            <a:alphaModFix amt="39000"/>
+          </a:blip>
+          <a:stretch>
+            <a:fillRect/>
+          </a:stretch>
+        </p:blipFill>
+        <p:spPr>
+          <a:xfrm>
+            <a:off x="5654967" y="1914008"/>
+            <a:ext cx="3446493" cy="4198587"/>
+          </a:xfrm>
+          <a:prstGeom prst="rect">
+            <a:avLst/>
+          </a:prstGeom>
+          <a:effectLst>
+            <a:outerShdw blurRad="50800" dist="50800" dir="5400000" algn="ctr" rotWithShape="0">
+              <a:srgbClr val="000000"/>
+            </a:outerShdw>
+          </a:effectLst>
+        </p:spPr>
+      </p:pic>
+    </p:spTree>
+    <p:extLst>
+      <p:ext uri="{BB962C8B-B14F-4D97-AF65-F5344CB8AC3E}">
+        <p14:creationId xmlns:p14="http://schemas.microsoft.com/office/powerpoint/2010/main" val="2488339503"/>
+      </p:ext>
+    </p:extLst>
+  </p:cSld>
+  <p:clrMapOvr>
+    <a:masterClrMapping/>
+  </p:clrMapOvr>
+</p:sld>
+</file>
+
+<file path=ppt/slides/slide4.xml><?xml version="1.0" encoding="utf-8"?>
+<p:sld xmlns:a="http://schemas.openxmlformats.org/drawingml/2006/main" xmlns:r="http://schemas.openxmlformats.org/officeDocument/2006/relationships" xmlns:p="http://schemas.openxmlformats.org/presentationml/2006/main">
+  <p:cSld>
+    <p:spTree>
+      <p:nvGrpSpPr>
+        <p:cNvPr id="1" name=""/>
+        <p:cNvGrpSpPr/>
+        <p:nvPr/>
+      </p:nvGrpSpPr>
+      <p:grpSpPr>
+        <a:xfrm>
+          <a:off x="0" y="0"/>
+          <a:ext cx="0" cy="0"/>
+          <a:chOff x="0" y="0"/>
+          <a:chExt cx="0" cy="0"/>
+        </a:xfrm>
+      </p:grpSpPr>
       <p:pic>
         <p:nvPicPr>
           <p:cNvPr id="4" name="그림 3">
@@ -4942,7 +6748,7 @@
 </p:sld>
 </file>
 
-<file path=ppt/slides/slide3.xml><?xml version="1.0" encoding="utf-8"?>
+<file path=ppt/slides/slide5.xml><?xml version="1.0" encoding="utf-8"?>
 <p:sld xmlns:a="http://schemas.openxmlformats.org/drawingml/2006/main" xmlns:r="http://schemas.openxmlformats.org/officeDocument/2006/relationships" xmlns:p="http://schemas.openxmlformats.org/presentationml/2006/main">
   <p:cSld>
     <p:spTree>
@@ -5378,23 +7184,6 @@
 </file>
 
 <file path=customXml/item1.xml><?xml version="1.0" encoding="utf-8"?>
-<?mso-contentType ?>
-<FormTemplates xmlns="http://schemas.microsoft.com/sharepoint/v3/contenttype/forms">
-  <Display>DocumentLibraryForm</Display>
-  <Edit>DocumentLibraryForm</Edit>
-  <New>DocumentLibraryForm</New>
-</FormTemplates>
-</file>
-
-<file path=customXml/item2.xml><?xml version="1.0" encoding="utf-8"?>
-<p:properties xmlns:p="http://schemas.microsoft.com/office/2006/metadata/properties" xmlns:xsi="http://www.w3.org/2001/XMLSchema-instance" xmlns:pc="http://schemas.microsoft.com/office/infopath/2007/PartnerControls">
-  <documentManagement>
-    <_activity xmlns="ea9a7419-acbe-4906-91a9-8c87fd5279ec" xsi:nil="true"/>
-  </documentManagement>
-</p:properties>
-</file>
-
-<file path=customXml/item3.xml><?xml version="1.0" encoding="utf-8"?>
 <ct:contentTypeSchema xmlns:ct="http://schemas.microsoft.com/office/2006/metadata/contentType" xmlns:ma="http://schemas.microsoft.com/office/2006/metadata/properties/metaAttributes" ct:_="" ma:_="" ma:contentTypeName="문서" ma:contentTypeID="0x01010009C083791BB0CB448E578667FC3C4CDC" ma:contentTypeVersion="12" ma:contentTypeDescription="새 문서를 만듭니다." ma:contentTypeScope="" ma:versionID="307905ab5fcebb2e8b8e1af6072fefa7">
   <xsd:schema xmlns:xsd="http://www.w3.org/2001/XMLSchema" xmlns:xs="http://www.w3.org/2001/XMLSchema" xmlns:p="http://schemas.microsoft.com/office/2006/metadata/properties" xmlns:ns3="ea9a7419-acbe-4906-91a9-8c87fd5279ec" xmlns:ns4="eb7a143a-5ec2-4311-9abb-7fab2124b04c" targetNamespace="http://schemas.microsoft.com/office/2006/metadata/properties" ma:root="true" ma:fieldsID="7208cc48273c981c44ef3b5ecd392ed6" ns3:_="" ns4:_="">
     <xsd:import namespace="ea9a7419-acbe-4906-91a9-8c87fd5279ec"/>
@@ -5609,10 +7398,38 @@
 </ct:contentTypeSchema>
 </file>
 
+<file path=customXml/item2.xml><?xml version="1.0" encoding="utf-8"?>
+<p:properties xmlns:p="http://schemas.microsoft.com/office/2006/metadata/properties" xmlns:xsi="http://www.w3.org/2001/XMLSchema-instance" xmlns:pc="http://schemas.microsoft.com/office/infopath/2007/PartnerControls">
+  <documentManagement>
+    <_activity xmlns="ea9a7419-acbe-4906-91a9-8c87fd5279ec" xsi:nil="true"/>
+  </documentManagement>
+</p:properties>
+</file>
+
+<file path=customXml/item3.xml><?xml version="1.0" encoding="utf-8"?>
+<?mso-contentType ?>
+<FormTemplates xmlns="http://schemas.microsoft.com/sharepoint/v3/contenttype/forms">
+  <Display>DocumentLibraryForm</Display>
+  <Edit>DocumentLibraryForm</Edit>
+  <New>DocumentLibraryForm</New>
+</FormTemplates>
+</file>
+
 <file path=customXml/itemProps1.xml><?xml version="1.0" encoding="utf-8"?>
-<ds:datastoreItem xmlns:ds="http://schemas.openxmlformats.org/officeDocument/2006/customXml" ds:itemID="{18739ACE-8BF4-4DC4-8248-F2ED87A819E5}">
+<ds:datastoreItem xmlns:ds="http://schemas.openxmlformats.org/officeDocument/2006/customXml" ds:itemID="{4CD9E026-513D-457D-9A1C-2BB1F76A47DD}">
   <ds:schemaRefs>
-    <ds:schemaRef ds:uri="http://schemas.microsoft.com/sharepoint/v3/contenttype/forms"/>
+    <ds:schemaRef ds:uri="http://schemas.microsoft.com/office/2006/metadata/contentType"/>
+    <ds:schemaRef ds:uri="http://schemas.microsoft.com/office/2006/metadata/properties/metaAttributes"/>
+    <ds:schemaRef ds:uri="http://www.w3.org/2001/XMLSchema"/>
+    <ds:schemaRef ds:uri="http://schemas.microsoft.com/office/2006/metadata/properties"/>
+    <ds:schemaRef ds:uri="ea9a7419-acbe-4906-91a9-8c87fd5279ec"/>
+    <ds:schemaRef ds:uri="eb7a143a-5ec2-4311-9abb-7fab2124b04c"/>
+    <ds:schemaRef ds:uri="http://schemas.microsoft.com/office/2006/documentManagement/types"/>
+    <ds:schemaRef ds:uri="http://schemas.microsoft.com/office/infopath/2007/PartnerControls"/>
+    <ds:schemaRef ds:uri="http://schemas.openxmlformats.org/package/2006/metadata/core-properties"/>
+    <ds:schemaRef ds:uri="http://purl.org/dc/elements/1.1/"/>
+    <ds:schemaRef ds:uri="http://purl.org/dc/terms/"/>
+    <ds:schemaRef ds:uri="http://schemas.microsoft.com/internal/obd"/>
   </ds:schemaRefs>
 </ds:datastoreItem>
 </file>
@@ -5635,20 +7452,9 @@
 </file>
 
 <file path=customXml/itemProps3.xml><?xml version="1.0" encoding="utf-8"?>
-<ds:datastoreItem xmlns:ds="http://schemas.openxmlformats.org/officeDocument/2006/customXml" ds:itemID="{4CD9E026-513D-457D-9A1C-2BB1F76A47DD}">
+<ds:datastoreItem xmlns:ds="http://schemas.openxmlformats.org/officeDocument/2006/customXml" ds:itemID="{18739ACE-8BF4-4DC4-8248-F2ED87A819E5}">
   <ds:schemaRefs>
-    <ds:schemaRef ds:uri="http://schemas.microsoft.com/office/2006/metadata/contentType"/>
-    <ds:schemaRef ds:uri="http://schemas.microsoft.com/office/2006/metadata/properties/metaAttributes"/>
-    <ds:schemaRef ds:uri="http://www.w3.org/2001/XMLSchema"/>
-    <ds:schemaRef ds:uri="http://schemas.microsoft.com/office/2006/metadata/properties"/>
-    <ds:schemaRef ds:uri="ea9a7419-acbe-4906-91a9-8c87fd5279ec"/>
-    <ds:schemaRef ds:uri="eb7a143a-5ec2-4311-9abb-7fab2124b04c"/>
-    <ds:schemaRef ds:uri="http://schemas.microsoft.com/office/2006/documentManagement/types"/>
-    <ds:schemaRef ds:uri="http://schemas.microsoft.com/office/infopath/2007/PartnerControls"/>
-    <ds:schemaRef ds:uri="http://schemas.openxmlformats.org/package/2006/metadata/core-properties"/>
-    <ds:schemaRef ds:uri="http://purl.org/dc/elements/1.1/"/>
-    <ds:schemaRef ds:uri="http://purl.org/dc/terms/"/>
-    <ds:schemaRef ds:uri="http://schemas.microsoft.com/internal/obd"/>
+    <ds:schemaRef ds:uri="http://schemas.microsoft.com/sharepoint/v3/contenttype/forms"/>
   </ds:schemaRefs>
 </ds:datastoreItem>
 </file>
--- a/temp/라벨지.pptx
+++ b/temp/라벨지.pptx
@@ -7,9 +7,10 @@
   <p:sldIdLst>
     <p:sldId id="256" r:id="rId5"/>
     <p:sldId id="259" r:id="rId6"/>
-    <p:sldId id="260" r:id="rId7"/>
-    <p:sldId id="257" r:id="rId8"/>
-    <p:sldId id="258" r:id="rId9"/>
+    <p:sldId id="261" r:id="rId7"/>
+    <p:sldId id="260" r:id="rId8"/>
+    <p:sldId id="257" r:id="rId9"/>
+    <p:sldId id="258" r:id="rId10"/>
   </p:sldIdLst>
   <p:sldSz cx="12192000" cy="6858000"/>
   <p:notesSz cx="6858000" cy="9144000"/>
@@ -263,7 +264,7 @@
           <a:p>
             <a:fld id="{B2F6E154-B9EA-4443-A382-84A896AEE394}" type="datetimeFigureOut">
               <a:rPr lang="ko-KR" altLang="en-US" smtClean="0"/>
-              <a:t>2023-06-07</a:t>
+              <a:t>2023-06-15</a:t>
             </a:fld>
             <a:endParaRPr lang="ko-KR" altLang="en-US"/>
           </a:p>
@@ -461,7 +462,7 @@
           <a:p>
             <a:fld id="{B2F6E154-B9EA-4443-A382-84A896AEE394}" type="datetimeFigureOut">
               <a:rPr lang="ko-KR" altLang="en-US" smtClean="0"/>
-              <a:t>2023-06-07</a:t>
+              <a:t>2023-06-15</a:t>
             </a:fld>
             <a:endParaRPr lang="ko-KR" altLang="en-US"/>
           </a:p>
@@ -669,7 +670,7 @@
           <a:p>
             <a:fld id="{B2F6E154-B9EA-4443-A382-84A896AEE394}" type="datetimeFigureOut">
               <a:rPr lang="ko-KR" altLang="en-US" smtClean="0"/>
-              <a:t>2023-06-07</a:t>
+              <a:t>2023-06-15</a:t>
             </a:fld>
             <a:endParaRPr lang="ko-KR" altLang="en-US"/>
           </a:p>
@@ -867,7 +868,7 @@
           <a:p>
             <a:fld id="{B2F6E154-B9EA-4443-A382-84A896AEE394}" type="datetimeFigureOut">
               <a:rPr lang="ko-KR" altLang="en-US" smtClean="0"/>
-              <a:t>2023-06-07</a:t>
+              <a:t>2023-06-15</a:t>
             </a:fld>
             <a:endParaRPr lang="ko-KR" altLang="en-US"/>
           </a:p>
@@ -1142,7 +1143,7 @@
           <a:p>
             <a:fld id="{B2F6E154-B9EA-4443-A382-84A896AEE394}" type="datetimeFigureOut">
               <a:rPr lang="ko-KR" altLang="en-US" smtClean="0"/>
-              <a:t>2023-06-07</a:t>
+              <a:t>2023-06-15</a:t>
             </a:fld>
             <a:endParaRPr lang="ko-KR" altLang="en-US"/>
           </a:p>
@@ -1407,7 +1408,7 @@
           <a:p>
             <a:fld id="{B2F6E154-B9EA-4443-A382-84A896AEE394}" type="datetimeFigureOut">
               <a:rPr lang="ko-KR" altLang="en-US" smtClean="0"/>
-              <a:t>2023-06-07</a:t>
+              <a:t>2023-06-15</a:t>
             </a:fld>
             <a:endParaRPr lang="ko-KR" altLang="en-US"/>
           </a:p>
@@ -1819,7 +1820,7 @@
           <a:p>
             <a:fld id="{B2F6E154-B9EA-4443-A382-84A896AEE394}" type="datetimeFigureOut">
               <a:rPr lang="ko-KR" altLang="en-US" smtClean="0"/>
-              <a:t>2023-06-07</a:t>
+              <a:t>2023-06-15</a:t>
             </a:fld>
             <a:endParaRPr lang="ko-KR" altLang="en-US"/>
           </a:p>
@@ -1960,7 +1961,7 @@
           <a:p>
             <a:fld id="{B2F6E154-B9EA-4443-A382-84A896AEE394}" type="datetimeFigureOut">
               <a:rPr lang="ko-KR" altLang="en-US" smtClean="0"/>
-              <a:t>2023-06-07</a:t>
+              <a:t>2023-06-15</a:t>
             </a:fld>
             <a:endParaRPr lang="ko-KR" altLang="en-US"/>
           </a:p>
@@ -2073,7 +2074,7 @@
           <a:p>
             <a:fld id="{B2F6E154-B9EA-4443-A382-84A896AEE394}" type="datetimeFigureOut">
               <a:rPr lang="ko-KR" altLang="en-US" smtClean="0"/>
-              <a:t>2023-06-07</a:t>
+              <a:t>2023-06-15</a:t>
             </a:fld>
             <a:endParaRPr lang="ko-KR" altLang="en-US"/>
           </a:p>
@@ -2384,7 +2385,7 @@
           <a:p>
             <a:fld id="{B2F6E154-B9EA-4443-A382-84A896AEE394}" type="datetimeFigureOut">
               <a:rPr lang="ko-KR" altLang="en-US" smtClean="0"/>
-              <a:t>2023-06-07</a:t>
+              <a:t>2023-06-15</a:t>
             </a:fld>
             <a:endParaRPr lang="ko-KR" altLang="en-US"/>
           </a:p>
@@ -2672,7 +2673,7 @@
           <a:p>
             <a:fld id="{B2F6E154-B9EA-4443-A382-84A896AEE394}" type="datetimeFigureOut">
               <a:rPr lang="ko-KR" altLang="en-US" smtClean="0"/>
-              <a:t>2023-06-07</a:t>
+              <a:t>2023-06-15</a:t>
             </a:fld>
             <a:endParaRPr lang="ko-KR" altLang="en-US"/>
           </a:p>
@@ -2913,7 +2914,7 @@
           <a:p>
             <a:fld id="{B2F6E154-B9EA-4443-A382-84A896AEE394}" type="datetimeFigureOut">
               <a:rPr lang="ko-KR" altLang="en-US" smtClean="0"/>
-              <a:t>2023-06-07</a:t>
+              <a:t>2023-06-15</a:t>
             </a:fld>
             <a:endParaRPr lang="ko-KR" altLang="en-US"/>
           </a:p>
@@ -6638,6 +6639,1754 @@
           <a:chExt cx="0" cy="0"/>
         </a:xfrm>
       </p:grpSpPr>
+      <p:grpSp>
+        <p:nvGrpSpPr>
+          <p:cNvPr id="10" name="그룹 9">
+            <a:extLst>
+              <a:ext uri="{FF2B5EF4-FFF2-40B4-BE49-F238E27FC236}">
+                <a16:creationId xmlns:a16="http://schemas.microsoft.com/office/drawing/2014/main" id="{56C1B855-EAE9-C87C-67BB-EBD6CD4C4CE9}"/>
+              </a:ext>
+            </a:extLst>
+          </p:cNvPr>
+          <p:cNvGrpSpPr/>
+          <p:nvPr/>
+        </p:nvGrpSpPr>
+        <p:grpSpPr>
+          <a:xfrm>
+            <a:off x="3268060" y="344276"/>
+            <a:ext cx="5733799" cy="5737063"/>
+            <a:chOff x="3268060" y="344276"/>
+            <a:chExt cx="5733799" cy="5737063"/>
+          </a:xfrm>
+        </p:grpSpPr>
+        <p:sp>
+          <p:nvSpPr>
+            <p:cNvPr id="9" name="직사각형 8">
+              <a:extLst>
+                <a:ext uri="{FF2B5EF4-FFF2-40B4-BE49-F238E27FC236}">
+                  <a16:creationId xmlns:a16="http://schemas.microsoft.com/office/drawing/2014/main" id="{5C26B50D-5C08-F631-3DC1-7141FF99A13F}"/>
+                </a:ext>
+              </a:extLst>
+            </p:cNvPr>
+            <p:cNvSpPr/>
+            <p:nvPr/>
+          </p:nvSpPr>
+          <p:spPr>
+            <a:xfrm>
+              <a:off x="3273197" y="344276"/>
+              <a:ext cx="5728662" cy="5737063"/>
+            </a:xfrm>
+            <a:prstGeom prst="rect">
+              <a:avLst/>
+            </a:prstGeom>
+            <a:solidFill>
+              <a:schemeClr val="bg1"/>
+            </a:solidFill>
+            <a:ln>
+              <a:noFill/>
+            </a:ln>
+          </p:spPr>
+          <p:style>
+            <a:lnRef idx="2">
+              <a:schemeClr val="accent1">
+                <a:shade val="50000"/>
+              </a:schemeClr>
+            </a:lnRef>
+            <a:fillRef idx="1">
+              <a:schemeClr val="accent1"/>
+            </a:fillRef>
+            <a:effectRef idx="0">
+              <a:schemeClr val="accent1"/>
+            </a:effectRef>
+            <a:fontRef idx="minor">
+              <a:schemeClr val="lt1"/>
+            </a:fontRef>
+          </p:style>
+          <p:txBody>
+            <a:bodyPr rtlCol="0" anchor="ctr"/>
+            <a:lstStyle/>
+            <a:p>
+              <a:pPr algn="ctr"/>
+              <a:endParaRPr lang="ko-KR" altLang="en-US"/>
+            </a:p>
+          </p:txBody>
+        </p:sp>
+        <p:grpSp>
+          <p:nvGrpSpPr>
+            <p:cNvPr id="43" name="그룹 42">
+              <a:extLst>
+                <a:ext uri="{FF2B5EF4-FFF2-40B4-BE49-F238E27FC236}">
+                  <a16:creationId xmlns:a16="http://schemas.microsoft.com/office/drawing/2014/main" id="{21400BDE-082A-C520-54C8-4E318CEAA0E4}"/>
+                </a:ext>
+              </a:extLst>
+            </p:cNvPr>
+            <p:cNvGrpSpPr>
+              <a:grpSpLocks/>
+            </p:cNvGrpSpPr>
+            <p:nvPr/>
+          </p:nvGrpSpPr>
+          <p:grpSpPr>
+            <a:xfrm>
+              <a:off x="3281078" y="356072"/>
+              <a:ext cx="5712904" cy="5712903"/>
+              <a:chOff x="6236103" y="360726"/>
+              <a:chExt cx="5712904" cy="5712903"/>
+            </a:xfrm>
+          </p:grpSpPr>
+          <p:sp>
+            <p:nvSpPr>
+              <p:cNvPr id="6" name="사각형: 둥근 모서리 5">
+                <a:extLst>
+                  <a:ext uri="{FF2B5EF4-FFF2-40B4-BE49-F238E27FC236}">
+                    <a16:creationId xmlns:a16="http://schemas.microsoft.com/office/drawing/2014/main" id="{BD4ED41B-6E0C-5937-B2F7-C99B19F8A8E6}"/>
+                  </a:ext>
+                </a:extLst>
+              </p:cNvPr>
+              <p:cNvSpPr>
+                <a:spLocks/>
+              </p:cNvSpPr>
+              <p:nvPr/>
+            </p:nvSpPr>
+            <p:spPr>
+              <a:xfrm>
+                <a:off x="6236104" y="360726"/>
+                <a:ext cx="5712903" cy="5712903"/>
+              </a:xfrm>
+              <a:prstGeom prst="roundRect">
+                <a:avLst>
+                  <a:gd name="adj" fmla="val 2286"/>
+                </a:avLst>
+              </a:prstGeom>
+              <a:noFill/>
+              <a:ln w="19050">
+                <a:solidFill>
+                  <a:schemeClr val="tx1"/>
+                </a:solidFill>
+              </a:ln>
+            </p:spPr>
+            <p:style>
+              <a:lnRef idx="2">
+                <a:schemeClr val="accent1">
+                  <a:shade val="50000"/>
+                </a:schemeClr>
+              </a:lnRef>
+              <a:fillRef idx="1">
+                <a:schemeClr val="accent1"/>
+              </a:fillRef>
+              <a:effectRef idx="0">
+                <a:schemeClr val="accent1"/>
+              </a:effectRef>
+              <a:fontRef idx="minor">
+                <a:schemeClr val="lt1"/>
+              </a:fontRef>
+            </p:style>
+            <p:txBody>
+              <a:bodyPr rtlCol="0" anchor="ctr"/>
+              <a:lstStyle/>
+              <a:p>
+                <a:pPr algn="ctr"/>
+                <a:endParaRPr lang="ko-KR" altLang="en-US"/>
+              </a:p>
+            </p:txBody>
+          </p:sp>
+          <p:cxnSp>
+            <p:nvCxnSpPr>
+              <p:cNvPr id="18" name="직선 연결선 17">
+                <a:extLst>
+                  <a:ext uri="{FF2B5EF4-FFF2-40B4-BE49-F238E27FC236}">
+                    <a16:creationId xmlns:a16="http://schemas.microsoft.com/office/drawing/2014/main" id="{2ADCC45B-AC63-2450-C27E-7B3E08B2CC1C}"/>
+                  </a:ext>
+                </a:extLst>
+              </p:cNvPr>
+              <p:cNvCxnSpPr>
+                <a:cxnSpLocks/>
+              </p:cNvCxnSpPr>
+              <p:nvPr/>
+            </p:nvCxnSpPr>
+            <p:spPr>
+              <a:xfrm>
+                <a:off x="7008582" y="1288744"/>
+                <a:ext cx="0" cy="3456497"/>
+              </a:xfrm>
+              <a:prstGeom prst="line">
+                <a:avLst/>
+              </a:prstGeom>
+              <a:ln w="19050">
+                <a:solidFill>
+                  <a:schemeClr val="tx1"/>
+                </a:solidFill>
+              </a:ln>
+            </p:spPr>
+            <p:style>
+              <a:lnRef idx="1">
+                <a:schemeClr val="accent1"/>
+              </a:lnRef>
+              <a:fillRef idx="0">
+                <a:schemeClr val="accent1"/>
+              </a:fillRef>
+              <a:effectRef idx="0">
+                <a:schemeClr val="accent1"/>
+              </a:effectRef>
+              <a:fontRef idx="minor">
+                <a:schemeClr val="tx1"/>
+              </a:fontRef>
+            </p:style>
+          </p:cxnSp>
+          <p:sp>
+            <p:nvSpPr>
+              <p:cNvPr id="30" name="직사각형 29">
+                <a:extLst>
+                  <a:ext uri="{FF2B5EF4-FFF2-40B4-BE49-F238E27FC236}">
+                    <a16:creationId xmlns:a16="http://schemas.microsoft.com/office/drawing/2014/main" id="{16311F3C-AECB-361F-EAED-DF59BBF0D7AC}"/>
+                  </a:ext>
+                </a:extLst>
+              </p:cNvPr>
+              <p:cNvSpPr>
+                <a:spLocks/>
+              </p:cNvSpPr>
+              <p:nvPr/>
+            </p:nvSpPr>
+            <p:spPr>
+              <a:xfrm>
+                <a:off x="6236103" y="1958059"/>
+                <a:ext cx="2412593" cy="655595"/>
+              </a:xfrm>
+              <a:prstGeom prst="rect">
+                <a:avLst/>
+              </a:prstGeom>
+              <a:noFill/>
+              <a:ln w="19050">
+                <a:solidFill>
+                  <a:schemeClr val="tx1"/>
+                </a:solidFill>
+              </a:ln>
+            </p:spPr>
+            <p:style>
+              <a:lnRef idx="2">
+                <a:schemeClr val="accent1">
+                  <a:shade val="50000"/>
+                </a:schemeClr>
+              </a:lnRef>
+              <a:fillRef idx="1">
+                <a:schemeClr val="accent1"/>
+              </a:fillRef>
+              <a:effectRef idx="0">
+                <a:schemeClr val="accent1"/>
+              </a:effectRef>
+              <a:fontRef idx="minor">
+                <a:schemeClr val="lt1"/>
+              </a:fontRef>
+            </p:style>
+            <p:txBody>
+              <a:bodyPr rtlCol="0" anchor="ctr"/>
+              <a:lstStyle/>
+              <a:p>
+                <a:pPr algn="ctr"/>
+                <a:endParaRPr lang="ko-KR" altLang="en-US"/>
+              </a:p>
+            </p:txBody>
+          </p:sp>
+          <p:sp>
+            <p:nvSpPr>
+              <p:cNvPr id="31" name="직사각형 30">
+                <a:extLst>
+                  <a:ext uri="{FF2B5EF4-FFF2-40B4-BE49-F238E27FC236}">
+                    <a16:creationId xmlns:a16="http://schemas.microsoft.com/office/drawing/2014/main" id="{4C0B63DA-FB27-DA37-1BB2-456B1226B267}"/>
+                  </a:ext>
+                </a:extLst>
+              </p:cNvPr>
+              <p:cNvSpPr>
+                <a:spLocks/>
+              </p:cNvSpPr>
+              <p:nvPr/>
+            </p:nvSpPr>
+            <p:spPr>
+              <a:xfrm>
+                <a:off x="6236103" y="1302464"/>
+                <a:ext cx="5712902" cy="655595"/>
+              </a:xfrm>
+              <a:prstGeom prst="rect">
+                <a:avLst/>
+              </a:prstGeom>
+              <a:noFill/>
+              <a:ln w="19050">
+                <a:solidFill>
+                  <a:schemeClr val="tx1"/>
+                </a:solidFill>
+              </a:ln>
+            </p:spPr>
+            <p:style>
+              <a:lnRef idx="2">
+                <a:schemeClr val="accent1">
+                  <a:shade val="50000"/>
+                </a:schemeClr>
+              </a:lnRef>
+              <a:fillRef idx="1">
+                <a:schemeClr val="accent1"/>
+              </a:fillRef>
+              <a:effectRef idx="0">
+                <a:schemeClr val="accent1"/>
+              </a:effectRef>
+              <a:fontRef idx="minor">
+                <a:schemeClr val="lt1"/>
+              </a:fontRef>
+            </p:style>
+            <p:txBody>
+              <a:bodyPr rtlCol="0" anchor="ctr"/>
+              <a:lstStyle/>
+              <a:p>
+                <a:pPr algn="ctr"/>
+                <a:endParaRPr lang="ko-KR" altLang="en-US"/>
+              </a:p>
+            </p:txBody>
+          </p:sp>
+          <p:sp>
+            <p:nvSpPr>
+              <p:cNvPr id="32" name="직사각형 31">
+                <a:extLst>
+                  <a:ext uri="{FF2B5EF4-FFF2-40B4-BE49-F238E27FC236}">
+                    <a16:creationId xmlns:a16="http://schemas.microsoft.com/office/drawing/2014/main" id="{E2F43624-76C4-D526-02A5-918B345F920A}"/>
+                  </a:ext>
+                </a:extLst>
+              </p:cNvPr>
+              <p:cNvSpPr>
+                <a:spLocks/>
+              </p:cNvSpPr>
+              <p:nvPr/>
+            </p:nvSpPr>
+            <p:spPr>
+              <a:xfrm>
+                <a:off x="6236103" y="646869"/>
+                <a:ext cx="5712902" cy="655595"/>
+              </a:xfrm>
+              <a:prstGeom prst="rect">
+                <a:avLst/>
+              </a:prstGeom>
+              <a:noFill/>
+              <a:ln w="19050">
+                <a:solidFill>
+                  <a:schemeClr val="tx1"/>
+                </a:solidFill>
+              </a:ln>
+            </p:spPr>
+            <p:style>
+              <a:lnRef idx="2">
+                <a:schemeClr val="accent1">
+                  <a:shade val="50000"/>
+                </a:schemeClr>
+              </a:lnRef>
+              <a:fillRef idx="1">
+                <a:schemeClr val="accent1"/>
+              </a:fillRef>
+              <a:effectRef idx="0">
+                <a:schemeClr val="accent1"/>
+              </a:effectRef>
+              <a:fontRef idx="minor">
+                <a:schemeClr val="lt1"/>
+              </a:fontRef>
+            </p:style>
+            <p:txBody>
+              <a:bodyPr rtlCol="0" anchor="ctr"/>
+              <a:lstStyle/>
+              <a:p>
+                <a:pPr algn="ctr"/>
+                <a:endParaRPr lang="ko-KR" altLang="en-US"/>
+              </a:p>
+            </p:txBody>
+          </p:sp>
+          <p:grpSp>
+            <p:nvGrpSpPr>
+              <p:cNvPr id="40" name="그룹 39">
+                <a:extLst>
+                  <a:ext uri="{FF2B5EF4-FFF2-40B4-BE49-F238E27FC236}">
+                    <a16:creationId xmlns:a16="http://schemas.microsoft.com/office/drawing/2014/main" id="{3B6DD245-C5F3-2061-94CC-B33A3CDF7AD8}"/>
+                  </a:ext>
+                </a:extLst>
+              </p:cNvPr>
+              <p:cNvGrpSpPr>
+                <a:grpSpLocks/>
+              </p:cNvGrpSpPr>
+              <p:nvPr/>
+            </p:nvGrpSpPr>
+            <p:grpSpPr>
+              <a:xfrm>
+                <a:off x="6236103" y="2613655"/>
+                <a:ext cx="2412593" cy="2486851"/>
+                <a:chOff x="6236103" y="2613655"/>
+                <a:chExt cx="2412593" cy="2773722"/>
+              </a:xfrm>
+            </p:grpSpPr>
+            <p:sp>
+              <p:nvSpPr>
+                <p:cNvPr id="33" name="직사각형 32">
+                  <a:extLst>
+                    <a:ext uri="{FF2B5EF4-FFF2-40B4-BE49-F238E27FC236}">
+                      <a16:creationId xmlns:a16="http://schemas.microsoft.com/office/drawing/2014/main" id="{FD39AD7A-7EC5-F0CF-241C-9BC66B9F29EC}"/>
+                    </a:ext>
+                  </a:extLst>
+                </p:cNvPr>
+                <p:cNvSpPr>
+                  <a:spLocks/>
+                </p:cNvSpPr>
+                <p:nvPr/>
+              </p:nvSpPr>
+              <p:spPr>
+                <a:xfrm>
+                  <a:off x="6236103" y="2613655"/>
+                  <a:ext cx="2412593" cy="396246"/>
+                </a:xfrm>
+                <a:prstGeom prst="rect">
+                  <a:avLst/>
+                </a:prstGeom>
+                <a:noFill/>
+                <a:ln w="19050">
+                  <a:solidFill>
+                    <a:schemeClr val="tx1"/>
+                  </a:solidFill>
+                </a:ln>
+              </p:spPr>
+              <p:style>
+                <a:lnRef idx="2">
+                  <a:schemeClr val="accent1">
+                    <a:shade val="50000"/>
+                  </a:schemeClr>
+                </a:lnRef>
+                <a:fillRef idx="1">
+                  <a:schemeClr val="accent1"/>
+                </a:fillRef>
+                <a:effectRef idx="0">
+                  <a:schemeClr val="accent1"/>
+                </a:effectRef>
+                <a:fontRef idx="minor">
+                  <a:schemeClr val="lt1"/>
+                </a:fontRef>
+              </p:style>
+              <p:txBody>
+                <a:bodyPr rtlCol="0" anchor="ctr"/>
+                <a:lstStyle/>
+                <a:p>
+                  <a:pPr algn="ctr"/>
+                  <a:endParaRPr lang="ko-KR" altLang="en-US"/>
+                </a:p>
+              </p:txBody>
+            </p:sp>
+            <p:sp>
+              <p:nvSpPr>
+                <p:cNvPr id="34" name="직사각형 33">
+                  <a:extLst>
+                    <a:ext uri="{FF2B5EF4-FFF2-40B4-BE49-F238E27FC236}">
+                      <a16:creationId xmlns:a16="http://schemas.microsoft.com/office/drawing/2014/main" id="{14F897BA-57B4-C5AE-45E8-E9CF3A8F1937}"/>
+                    </a:ext>
+                  </a:extLst>
+                </p:cNvPr>
+                <p:cNvSpPr>
+                  <a:spLocks/>
+                </p:cNvSpPr>
+                <p:nvPr/>
+              </p:nvSpPr>
+              <p:spPr>
+                <a:xfrm>
+                  <a:off x="6236103" y="3009901"/>
+                  <a:ext cx="2412593" cy="396246"/>
+                </a:xfrm>
+                <a:prstGeom prst="rect">
+                  <a:avLst/>
+                </a:prstGeom>
+                <a:noFill/>
+                <a:ln w="19050">
+                  <a:solidFill>
+                    <a:schemeClr val="tx1"/>
+                  </a:solidFill>
+                </a:ln>
+              </p:spPr>
+              <p:style>
+                <a:lnRef idx="2">
+                  <a:schemeClr val="accent1">
+                    <a:shade val="50000"/>
+                  </a:schemeClr>
+                </a:lnRef>
+                <a:fillRef idx="1">
+                  <a:schemeClr val="accent1"/>
+                </a:fillRef>
+                <a:effectRef idx="0">
+                  <a:schemeClr val="accent1"/>
+                </a:effectRef>
+                <a:fontRef idx="minor">
+                  <a:schemeClr val="lt1"/>
+                </a:fontRef>
+              </p:style>
+              <p:txBody>
+                <a:bodyPr rtlCol="0" anchor="ctr"/>
+                <a:lstStyle/>
+                <a:p>
+                  <a:pPr algn="ctr"/>
+                  <a:endParaRPr lang="ko-KR" altLang="en-US"/>
+                </a:p>
+              </p:txBody>
+            </p:sp>
+            <p:sp>
+              <p:nvSpPr>
+                <p:cNvPr id="35" name="직사각형 34">
+                  <a:extLst>
+                    <a:ext uri="{FF2B5EF4-FFF2-40B4-BE49-F238E27FC236}">
+                      <a16:creationId xmlns:a16="http://schemas.microsoft.com/office/drawing/2014/main" id="{D0AA827B-0319-C12A-F860-364DFC154920}"/>
+                    </a:ext>
+                  </a:extLst>
+                </p:cNvPr>
+                <p:cNvSpPr>
+                  <a:spLocks/>
+                </p:cNvSpPr>
+                <p:nvPr/>
+              </p:nvSpPr>
+              <p:spPr>
+                <a:xfrm>
+                  <a:off x="6236103" y="3406147"/>
+                  <a:ext cx="2412593" cy="396246"/>
+                </a:xfrm>
+                <a:prstGeom prst="rect">
+                  <a:avLst/>
+                </a:prstGeom>
+                <a:noFill/>
+                <a:ln w="19050">
+                  <a:solidFill>
+                    <a:schemeClr val="tx1"/>
+                  </a:solidFill>
+                </a:ln>
+              </p:spPr>
+              <p:style>
+                <a:lnRef idx="2">
+                  <a:schemeClr val="accent1">
+                    <a:shade val="50000"/>
+                  </a:schemeClr>
+                </a:lnRef>
+                <a:fillRef idx="1">
+                  <a:schemeClr val="accent1"/>
+                </a:fillRef>
+                <a:effectRef idx="0">
+                  <a:schemeClr val="accent1"/>
+                </a:effectRef>
+                <a:fontRef idx="minor">
+                  <a:schemeClr val="lt1"/>
+                </a:fontRef>
+              </p:style>
+              <p:txBody>
+                <a:bodyPr rtlCol="0" anchor="ctr"/>
+                <a:lstStyle/>
+                <a:p>
+                  <a:pPr algn="ctr"/>
+                  <a:endParaRPr lang="ko-KR" altLang="en-US"/>
+                </a:p>
+              </p:txBody>
+            </p:sp>
+            <p:sp>
+              <p:nvSpPr>
+                <p:cNvPr id="36" name="직사각형 35">
+                  <a:extLst>
+                    <a:ext uri="{FF2B5EF4-FFF2-40B4-BE49-F238E27FC236}">
+                      <a16:creationId xmlns:a16="http://schemas.microsoft.com/office/drawing/2014/main" id="{5A3D7A9A-F2BD-0030-E1A1-AF103AFAD536}"/>
+                    </a:ext>
+                  </a:extLst>
+                </p:cNvPr>
+                <p:cNvSpPr>
+                  <a:spLocks/>
+                </p:cNvSpPr>
+                <p:nvPr/>
+              </p:nvSpPr>
+              <p:spPr>
+                <a:xfrm>
+                  <a:off x="6236103" y="3802393"/>
+                  <a:ext cx="2412593" cy="396246"/>
+                </a:xfrm>
+                <a:prstGeom prst="rect">
+                  <a:avLst/>
+                </a:prstGeom>
+                <a:noFill/>
+                <a:ln w="19050">
+                  <a:solidFill>
+                    <a:schemeClr val="tx1"/>
+                  </a:solidFill>
+                </a:ln>
+              </p:spPr>
+              <p:style>
+                <a:lnRef idx="2">
+                  <a:schemeClr val="accent1">
+                    <a:shade val="50000"/>
+                  </a:schemeClr>
+                </a:lnRef>
+                <a:fillRef idx="1">
+                  <a:schemeClr val="accent1"/>
+                </a:fillRef>
+                <a:effectRef idx="0">
+                  <a:schemeClr val="accent1"/>
+                </a:effectRef>
+                <a:fontRef idx="minor">
+                  <a:schemeClr val="lt1"/>
+                </a:fontRef>
+              </p:style>
+              <p:txBody>
+                <a:bodyPr rtlCol="0" anchor="ctr"/>
+                <a:lstStyle/>
+                <a:p>
+                  <a:pPr algn="ctr"/>
+                  <a:endParaRPr lang="ko-KR" altLang="en-US"/>
+                </a:p>
+              </p:txBody>
+            </p:sp>
+            <p:sp>
+              <p:nvSpPr>
+                <p:cNvPr id="37" name="직사각형 36">
+                  <a:extLst>
+                    <a:ext uri="{FF2B5EF4-FFF2-40B4-BE49-F238E27FC236}">
+                      <a16:creationId xmlns:a16="http://schemas.microsoft.com/office/drawing/2014/main" id="{17AC3404-ED55-F899-FAFD-ADAF26A83B29}"/>
+                    </a:ext>
+                  </a:extLst>
+                </p:cNvPr>
+                <p:cNvSpPr>
+                  <a:spLocks/>
+                </p:cNvSpPr>
+                <p:nvPr/>
+              </p:nvSpPr>
+              <p:spPr>
+                <a:xfrm>
+                  <a:off x="6236103" y="4198639"/>
+                  <a:ext cx="2412593" cy="396246"/>
+                </a:xfrm>
+                <a:prstGeom prst="rect">
+                  <a:avLst/>
+                </a:prstGeom>
+                <a:noFill/>
+                <a:ln w="19050">
+                  <a:solidFill>
+                    <a:schemeClr val="tx1"/>
+                  </a:solidFill>
+                </a:ln>
+              </p:spPr>
+              <p:style>
+                <a:lnRef idx="2">
+                  <a:schemeClr val="accent1">
+                    <a:shade val="50000"/>
+                  </a:schemeClr>
+                </a:lnRef>
+                <a:fillRef idx="1">
+                  <a:schemeClr val="accent1"/>
+                </a:fillRef>
+                <a:effectRef idx="0">
+                  <a:schemeClr val="accent1"/>
+                </a:effectRef>
+                <a:fontRef idx="minor">
+                  <a:schemeClr val="lt1"/>
+                </a:fontRef>
+              </p:style>
+              <p:txBody>
+                <a:bodyPr rtlCol="0" anchor="ctr"/>
+                <a:lstStyle/>
+                <a:p>
+                  <a:pPr algn="ctr"/>
+                  <a:endParaRPr lang="ko-KR" altLang="en-US"/>
+                </a:p>
+              </p:txBody>
+            </p:sp>
+            <p:sp>
+              <p:nvSpPr>
+                <p:cNvPr id="38" name="직사각형 37">
+                  <a:extLst>
+                    <a:ext uri="{FF2B5EF4-FFF2-40B4-BE49-F238E27FC236}">
+                      <a16:creationId xmlns:a16="http://schemas.microsoft.com/office/drawing/2014/main" id="{1CE514EC-A5F2-F598-4FBD-AA363D35A3E4}"/>
+                    </a:ext>
+                  </a:extLst>
+                </p:cNvPr>
+                <p:cNvSpPr>
+                  <a:spLocks/>
+                </p:cNvSpPr>
+                <p:nvPr/>
+              </p:nvSpPr>
+              <p:spPr>
+                <a:xfrm>
+                  <a:off x="6236103" y="4594885"/>
+                  <a:ext cx="2412593" cy="396246"/>
+                </a:xfrm>
+                <a:prstGeom prst="rect">
+                  <a:avLst/>
+                </a:prstGeom>
+                <a:noFill/>
+                <a:ln w="19050">
+                  <a:solidFill>
+                    <a:schemeClr val="tx1"/>
+                  </a:solidFill>
+                </a:ln>
+              </p:spPr>
+              <p:style>
+                <a:lnRef idx="2">
+                  <a:schemeClr val="accent1">
+                    <a:shade val="50000"/>
+                  </a:schemeClr>
+                </a:lnRef>
+                <a:fillRef idx="1">
+                  <a:schemeClr val="accent1"/>
+                </a:fillRef>
+                <a:effectRef idx="0">
+                  <a:schemeClr val="accent1"/>
+                </a:effectRef>
+                <a:fontRef idx="minor">
+                  <a:schemeClr val="lt1"/>
+                </a:fontRef>
+              </p:style>
+              <p:txBody>
+                <a:bodyPr rtlCol="0" anchor="ctr"/>
+                <a:lstStyle/>
+                <a:p>
+                  <a:pPr algn="ctr"/>
+                  <a:endParaRPr lang="ko-KR" altLang="en-US"/>
+                </a:p>
+              </p:txBody>
+            </p:sp>
+            <p:sp>
+              <p:nvSpPr>
+                <p:cNvPr id="39" name="직사각형 38">
+                  <a:extLst>
+                    <a:ext uri="{FF2B5EF4-FFF2-40B4-BE49-F238E27FC236}">
+                      <a16:creationId xmlns:a16="http://schemas.microsoft.com/office/drawing/2014/main" id="{48F6E170-833D-AB89-C60D-D804B3309B3E}"/>
+                    </a:ext>
+                  </a:extLst>
+                </p:cNvPr>
+                <p:cNvSpPr>
+                  <a:spLocks/>
+                </p:cNvSpPr>
+                <p:nvPr/>
+              </p:nvSpPr>
+              <p:spPr>
+                <a:xfrm>
+                  <a:off x="6236103" y="4991131"/>
+                  <a:ext cx="2412593" cy="396246"/>
+                </a:xfrm>
+                <a:prstGeom prst="rect">
+                  <a:avLst/>
+                </a:prstGeom>
+                <a:noFill/>
+                <a:ln w="19050">
+                  <a:solidFill>
+                    <a:schemeClr val="tx1"/>
+                  </a:solidFill>
+                </a:ln>
+              </p:spPr>
+              <p:style>
+                <a:lnRef idx="2">
+                  <a:schemeClr val="accent1">
+                    <a:shade val="50000"/>
+                  </a:schemeClr>
+                </a:lnRef>
+                <a:fillRef idx="1">
+                  <a:schemeClr val="accent1"/>
+                </a:fillRef>
+                <a:effectRef idx="0">
+                  <a:schemeClr val="accent1"/>
+                </a:effectRef>
+                <a:fontRef idx="minor">
+                  <a:schemeClr val="lt1"/>
+                </a:fontRef>
+              </p:style>
+              <p:txBody>
+                <a:bodyPr rtlCol="0" anchor="ctr"/>
+                <a:lstStyle/>
+                <a:p>
+                  <a:pPr algn="ctr"/>
+                  <a:endParaRPr lang="ko-KR" altLang="en-US"/>
+                </a:p>
+              </p:txBody>
+            </p:sp>
+          </p:grpSp>
+          <p:cxnSp>
+            <p:nvCxnSpPr>
+              <p:cNvPr id="42" name="직선 연결선 41">
+                <a:extLst>
+                  <a:ext uri="{FF2B5EF4-FFF2-40B4-BE49-F238E27FC236}">
+                    <a16:creationId xmlns:a16="http://schemas.microsoft.com/office/drawing/2014/main" id="{3FF0FBBE-FCC0-A69C-77B1-D4E9AD6BAA20}"/>
+                  </a:ext>
+                </a:extLst>
+              </p:cNvPr>
+              <p:cNvCxnSpPr>
+                <a:cxnSpLocks/>
+              </p:cNvCxnSpPr>
+              <p:nvPr/>
+            </p:nvCxnSpPr>
+            <p:spPr>
+              <a:xfrm>
+                <a:off x="8648696" y="2617132"/>
+                <a:ext cx="0" cy="3456497"/>
+              </a:xfrm>
+              <a:prstGeom prst="line">
+                <a:avLst/>
+              </a:prstGeom>
+              <a:ln w="19050">
+                <a:solidFill>
+                  <a:schemeClr val="tx1"/>
+                </a:solidFill>
+              </a:ln>
+            </p:spPr>
+            <p:style>
+              <a:lnRef idx="1">
+                <a:schemeClr val="accent1"/>
+              </a:lnRef>
+              <a:fillRef idx="0">
+                <a:schemeClr val="accent1"/>
+              </a:fillRef>
+              <a:effectRef idx="0">
+                <a:schemeClr val="accent1"/>
+              </a:effectRef>
+              <a:fontRef idx="minor">
+                <a:schemeClr val="tx1"/>
+              </a:fontRef>
+            </p:style>
+          </p:cxnSp>
+        </p:grpSp>
+        <p:sp>
+          <p:nvSpPr>
+            <p:cNvPr id="44" name="TextBox 43">
+              <a:extLst>
+                <a:ext uri="{FF2B5EF4-FFF2-40B4-BE49-F238E27FC236}">
+                  <a16:creationId xmlns:a16="http://schemas.microsoft.com/office/drawing/2014/main" id="{61E3D415-43B6-9248-9A73-8BC1691A4D76}"/>
+                </a:ext>
+              </a:extLst>
+            </p:cNvPr>
+            <p:cNvSpPr txBox="1">
+              <a:spLocks/>
+            </p:cNvSpPr>
+            <p:nvPr/>
+          </p:nvSpPr>
+          <p:spPr>
+            <a:xfrm>
+              <a:off x="3962747" y="666390"/>
+              <a:ext cx="3913251" cy="600164"/>
+            </a:xfrm>
+            <a:prstGeom prst="rect">
+              <a:avLst/>
+            </a:prstGeom>
+            <a:noFill/>
+          </p:spPr>
+          <p:txBody>
+            <a:bodyPr wrap="none" rtlCol="0">
+              <a:spAutoFit/>
+            </a:bodyPr>
+            <a:lstStyle/>
+            <a:p>
+              <a:r>
+                <a:rPr lang="ko-KR" altLang="en-US" sz="1100" dirty="0"/>
+                <a:t>취급자 </a:t>
+              </a:r>
+              <a:r>
+                <a:rPr lang="en-US" altLang="ko-KR" sz="1100" dirty="0"/>
+                <a:t>: </a:t>
+              </a:r>
+              <a:r>
+                <a:rPr lang="ko-KR" altLang="en-US" sz="1100" dirty="0" err="1"/>
+                <a:t>백두대간영농조합법인</a:t>
+              </a:r>
+              <a:r>
+                <a:rPr lang="ko-KR" altLang="en-US" sz="1100" dirty="0"/>
+                <a:t> </a:t>
+              </a:r>
+              <a:r>
+                <a:rPr lang="en-US" altLang="ko-KR" sz="1100" dirty="0"/>
+                <a:t>( </a:t>
+              </a:r>
+              <a:r>
+                <a:rPr lang="ko-KR" altLang="en-US" sz="1100" dirty="0"/>
+                <a:t>전화번호 </a:t>
+              </a:r>
+              <a:r>
+                <a:rPr lang="en-US" altLang="ko-KR" sz="1100" dirty="0"/>
+                <a:t>: 033-732-2561)</a:t>
+              </a:r>
+            </a:p>
+            <a:p>
+              <a:r>
+                <a:rPr lang="ko-KR" altLang="en-US" sz="1100" dirty="0"/>
+                <a:t>포장장소 </a:t>
+              </a:r>
+              <a:r>
+                <a:rPr lang="en-US" altLang="ko-KR" sz="1100" dirty="0"/>
+                <a:t>(</a:t>
+              </a:r>
+              <a:r>
+                <a:rPr lang="ko-KR" altLang="en-US" sz="1100" dirty="0"/>
+                <a:t>생산지</a:t>
+              </a:r>
+              <a:r>
+                <a:rPr lang="en-US" altLang="ko-KR" sz="1100" dirty="0"/>
+                <a:t>) : </a:t>
+              </a:r>
+              <a:r>
+                <a:rPr lang="ko-KR" altLang="en-US" sz="1100" dirty="0"/>
+                <a:t>강원도 원주시 </a:t>
+              </a:r>
+              <a:r>
+                <a:rPr lang="ko-KR" altLang="en-US" sz="1100" dirty="0" err="1"/>
+                <a:t>저금어지길</a:t>
+              </a:r>
+              <a:r>
+                <a:rPr lang="ko-KR" altLang="en-US" sz="1100" dirty="0"/>
+                <a:t> </a:t>
+              </a:r>
+              <a:r>
+                <a:rPr lang="en-US" altLang="ko-KR" sz="1100" dirty="0"/>
+                <a:t>456</a:t>
+              </a:r>
+            </a:p>
+            <a:p>
+              <a:r>
+                <a:rPr lang="ko-KR" altLang="en-US" sz="1100" dirty="0"/>
+                <a:t>인증품목 </a:t>
+              </a:r>
+              <a:r>
+                <a:rPr lang="en-US" altLang="ko-KR" sz="1100" dirty="0"/>
+                <a:t>: </a:t>
+              </a:r>
+              <a:r>
+                <a:rPr lang="ko-KR" altLang="en-US" sz="1100" dirty="0"/>
+                <a:t>돼지</a:t>
+              </a:r>
+              <a:r>
+                <a:rPr lang="en-US" altLang="ko-KR" sz="1100" dirty="0"/>
+                <a:t>(</a:t>
+              </a:r>
+              <a:r>
+                <a:rPr lang="ko-KR" altLang="en-US" sz="1100" dirty="0"/>
+                <a:t>식육</a:t>
+              </a:r>
+              <a:r>
+                <a:rPr lang="en-US" altLang="ko-KR" sz="1100" dirty="0"/>
+                <a:t>) (</a:t>
+              </a:r>
+              <a:r>
+                <a:rPr lang="ko-KR" altLang="en-US" sz="1100" dirty="0" err="1"/>
+                <a:t>무항생제축산물</a:t>
+              </a:r>
+              <a:r>
+                <a:rPr lang="en-US" altLang="ko-KR" sz="1100" dirty="0"/>
+                <a:t>)</a:t>
+              </a:r>
+              <a:endParaRPr lang="ko-KR" altLang="en-US" sz="1100" dirty="0"/>
+            </a:p>
+          </p:txBody>
+        </p:sp>
+        <p:sp>
+          <p:nvSpPr>
+            <p:cNvPr id="45" name="TextBox 44">
+              <a:extLst>
+                <a:ext uri="{FF2B5EF4-FFF2-40B4-BE49-F238E27FC236}">
+                  <a16:creationId xmlns:a16="http://schemas.microsoft.com/office/drawing/2014/main" id="{35B5FDD4-628A-B937-8A2A-EB2D6B0FDC4A}"/>
+                </a:ext>
+              </a:extLst>
+            </p:cNvPr>
+            <p:cNvSpPr txBox="1">
+              <a:spLocks/>
+            </p:cNvSpPr>
+            <p:nvPr/>
+          </p:nvSpPr>
+          <p:spPr>
+            <a:xfrm>
+              <a:off x="5116255" y="359652"/>
+              <a:ext cx="2042547" cy="307777"/>
+            </a:xfrm>
+            <a:prstGeom prst="rect">
+              <a:avLst/>
+            </a:prstGeom>
+            <a:noFill/>
+          </p:spPr>
+          <p:txBody>
+            <a:bodyPr wrap="none" rtlCol="0">
+              <a:spAutoFit/>
+            </a:bodyPr>
+            <a:lstStyle/>
+            <a:p>
+              <a:r>
+                <a:rPr lang="ko-KR" altLang="en-US" sz="1400" b="1" dirty="0"/>
+                <a:t>친환경축산물 표시사항</a:t>
+              </a:r>
+            </a:p>
+          </p:txBody>
+        </p:sp>
+        <p:pic>
+          <p:nvPicPr>
+            <p:cNvPr id="1026" name="Picture 2" descr="살충제 계란 파장] '친환경 계란'의 배신">
+              <a:extLst>
+                <a:ext uri="{FF2B5EF4-FFF2-40B4-BE49-F238E27FC236}">
+                  <a16:creationId xmlns:a16="http://schemas.microsoft.com/office/drawing/2014/main" id="{362CA206-0795-5556-E437-A8699C313A51}"/>
+                </a:ext>
+              </a:extLst>
+            </p:cNvPr>
+            <p:cNvPicPr>
+              <a:picLocks noChangeAspect="1"/>
+            </p:cNvPicPr>
+            <p:nvPr/>
+          </p:nvPicPr>
+          <p:blipFill>
+            <a:blip r:embed="rId2">
+              <a:extLst>
+                <a:ext uri="{28A0092B-C50C-407E-A947-70E740481C1C}">
+                  <a14:useLocalDpi xmlns:a14="http://schemas.microsoft.com/office/drawing/2010/main" val="0"/>
+                </a:ext>
+              </a:extLst>
+            </a:blip>
+            <a:srcRect/>
+            <a:stretch>
+              <a:fillRect/>
+            </a:stretch>
+          </p:blipFill>
+          <p:spPr bwMode="auto">
+            <a:xfrm>
+              <a:off x="3399424" y="681015"/>
+              <a:ext cx="499018" cy="465186"/>
+            </a:xfrm>
+            <a:prstGeom prst="rect">
+              <a:avLst/>
+            </a:prstGeom>
+            <a:noFill/>
+            <a:extLst>
+              <a:ext uri="{909E8E84-426E-40DD-AFC4-6F175D3DCCD1}">
+                <a14:hiddenFill xmlns:a14="http://schemas.microsoft.com/office/drawing/2010/main">
+                  <a:solidFill>
+                    <a:srgbClr val="FFFFFF"/>
+                  </a:solidFill>
+                </a14:hiddenFill>
+              </a:ext>
+            </a:extLst>
+          </p:spPr>
+        </p:pic>
+        <p:pic>
+          <p:nvPicPr>
+            <p:cNvPr id="1028" name="Picture 4" descr="HACCP 인증 마크 햇섭이란? [ai 파일나눔] : 네이버 블로그">
+              <a:extLst>
+                <a:ext uri="{FF2B5EF4-FFF2-40B4-BE49-F238E27FC236}">
+                  <a16:creationId xmlns:a16="http://schemas.microsoft.com/office/drawing/2014/main" id="{A2B6C6DD-803C-F1A6-1AE4-0318AFC6C133}"/>
+                </a:ext>
+              </a:extLst>
+            </p:cNvPr>
+            <p:cNvPicPr>
+              <a:picLocks noChangeAspect="1"/>
+            </p:cNvPicPr>
+            <p:nvPr/>
+          </p:nvPicPr>
+          <p:blipFill rotWithShape="1">
+            <a:blip r:embed="rId3">
+              <a:extLst>
+                <a:ext uri="{28A0092B-C50C-407E-A947-70E740481C1C}">
+                  <a14:useLocalDpi xmlns:a14="http://schemas.microsoft.com/office/drawing/2010/main" val="0"/>
+                </a:ext>
+              </a:extLst>
+            </a:blip>
+            <a:srcRect l="4854" t="5061" r="4610" b="3866"/>
+            <a:stretch/>
+          </p:blipFill>
+          <p:spPr bwMode="auto">
+            <a:xfrm>
+              <a:off x="8390026" y="697792"/>
+              <a:ext cx="539649" cy="542860"/>
+            </a:xfrm>
+            <a:prstGeom prst="rect">
+              <a:avLst/>
+            </a:prstGeom>
+            <a:noFill/>
+            <a:extLst>
+              <a:ext uri="{909E8E84-426E-40DD-AFC4-6F175D3DCCD1}">
+                <a14:hiddenFill xmlns:a14="http://schemas.microsoft.com/office/drawing/2010/main">
+                  <a:solidFill>
+                    <a:srgbClr val="FFFFFF"/>
+                  </a:solidFill>
+                </a14:hiddenFill>
+              </a:ext>
+            </a:extLst>
+          </p:spPr>
+        </p:pic>
+        <p:sp>
+          <p:nvSpPr>
+            <p:cNvPr id="46" name="TextBox 45">
+              <a:extLst>
+                <a:ext uri="{FF2B5EF4-FFF2-40B4-BE49-F238E27FC236}">
+                  <a16:creationId xmlns:a16="http://schemas.microsoft.com/office/drawing/2014/main" id="{52BAADB9-8E2F-3336-E1C3-6CB2D4925D25}"/>
+                </a:ext>
+              </a:extLst>
+            </p:cNvPr>
+            <p:cNvSpPr txBox="1">
+              <a:spLocks/>
+            </p:cNvSpPr>
+            <p:nvPr/>
+          </p:nvSpPr>
+          <p:spPr>
+            <a:xfrm>
+              <a:off x="3274671" y="1395936"/>
+              <a:ext cx="800219" cy="461665"/>
+            </a:xfrm>
+            <a:prstGeom prst="rect">
+              <a:avLst/>
+            </a:prstGeom>
+            <a:noFill/>
+          </p:spPr>
+          <p:txBody>
+            <a:bodyPr wrap="none" rtlCol="0">
+              <a:spAutoFit/>
+            </a:bodyPr>
+            <a:lstStyle/>
+            <a:p>
+              <a:pPr algn="ctr"/>
+              <a:r>
+                <a:rPr lang="ko-KR" altLang="en-US" sz="1200" dirty="0"/>
+                <a:t>품목제조</a:t>
+              </a:r>
+              <a:endParaRPr lang="en-US" altLang="ko-KR" sz="1200" dirty="0"/>
+            </a:p>
+            <a:p>
+              <a:pPr algn="ctr"/>
+              <a:r>
+                <a:rPr lang="ko-KR" altLang="en-US" sz="1200" dirty="0" err="1"/>
+                <a:t>보고명</a:t>
+              </a:r>
+              <a:endParaRPr lang="ko-KR" altLang="en-US" sz="1200" dirty="0"/>
+            </a:p>
+          </p:txBody>
+        </p:sp>
+        <p:sp>
+          <p:nvSpPr>
+            <p:cNvPr id="47" name="TextBox 46">
+              <a:extLst>
+                <a:ext uri="{FF2B5EF4-FFF2-40B4-BE49-F238E27FC236}">
+                  <a16:creationId xmlns:a16="http://schemas.microsoft.com/office/drawing/2014/main" id="{FF710982-371D-C8D2-81A8-8C12EF1A289C}"/>
+                </a:ext>
+              </a:extLst>
+            </p:cNvPr>
+            <p:cNvSpPr txBox="1">
+              <a:spLocks/>
+            </p:cNvSpPr>
+            <p:nvPr/>
+          </p:nvSpPr>
+          <p:spPr>
+            <a:xfrm>
+              <a:off x="3393480" y="2132076"/>
+              <a:ext cx="543739" cy="307777"/>
+            </a:xfrm>
+            <a:prstGeom prst="rect">
+              <a:avLst/>
+            </a:prstGeom>
+            <a:noFill/>
+          </p:spPr>
+          <p:txBody>
+            <a:bodyPr wrap="none" rtlCol="0">
+              <a:spAutoFit/>
+            </a:bodyPr>
+            <a:lstStyle/>
+            <a:p>
+              <a:r>
+                <a:rPr lang="ko-KR" altLang="en-US" sz="1400"/>
+                <a:t>규격</a:t>
+              </a:r>
+              <a:endParaRPr lang="ko-KR" altLang="en-US" sz="1400" dirty="0"/>
+            </a:p>
+          </p:txBody>
+        </p:sp>
+        <p:sp>
+          <p:nvSpPr>
+            <p:cNvPr id="48" name="TextBox 47">
+              <a:extLst>
+                <a:ext uri="{FF2B5EF4-FFF2-40B4-BE49-F238E27FC236}">
+                  <a16:creationId xmlns:a16="http://schemas.microsoft.com/office/drawing/2014/main" id="{E275DAD1-6BE4-2032-094F-2FA9268A9D3C}"/>
+                </a:ext>
+              </a:extLst>
+            </p:cNvPr>
+            <p:cNvSpPr txBox="1">
+              <a:spLocks/>
+            </p:cNvSpPr>
+            <p:nvPr/>
+          </p:nvSpPr>
+          <p:spPr>
+            <a:xfrm>
+              <a:off x="3292812" y="2633800"/>
+              <a:ext cx="731290" cy="307777"/>
+            </a:xfrm>
+            <a:prstGeom prst="rect">
+              <a:avLst/>
+            </a:prstGeom>
+            <a:noFill/>
+          </p:spPr>
+          <p:txBody>
+            <a:bodyPr wrap="none" rtlCol="0">
+              <a:spAutoFit/>
+            </a:bodyPr>
+            <a:lstStyle/>
+            <a:p>
+              <a:r>
+                <a:rPr lang="ko-KR" altLang="en-US" sz="1400" dirty="0"/>
+                <a:t>중   량</a:t>
+              </a:r>
+            </a:p>
+          </p:txBody>
+        </p:sp>
+        <p:sp>
+          <p:nvSpPr>
+            <p:cNvPr id="51" name="TextBox 50">
+              <a:extLst>
+                <a:ext uri="{FF2B5EF4-FFF2-40B4-BE49-F238E27FC236}">
+                  <a16:creationId xmlns:a16="http://schemas.microsoft.com/office/drawing/2014/main" id="{BA9CD942-5E67-03D9-106A-243C154DE74A}"/>
+                </a:ext>
+              </a:extLst>
+            </p:cNvPr>
+            <p:cNvSpPr txBox="1">
+              <a:spLocks/>
+            </p:cNvSpPr>
+            <p:nvPr/>
+          </p:nvSpPr>
+          <p:spPr>
+            <a:xfrm>
+              <a:off x="3292812" y="3702264"/>
+              <a:ext cx="723275" cy="307777"/>
+            </a:xfrm>
+            <a:prstGeom prst="rect">
+              <a:avLst/>
+            </a:prstGeom>
+            <a:noFill/>
+          </p:spPr>
+          <p:txBody>
+            <a:bodyPr wrap="none" rtlCol="0">
+              <a:spAutoFit/>
+            </a:bodyPr>
+            <a:lstStyle/>
+            <a:p>
+              <a:r>
+                <a:rPr lang="ko-KR" altLang="en-US" sz="1400" dirty="0"/>
+                <a:t>도축장</a:t>
+              </a:r>
+            </a:p>
+          </p:txBody>
+        </p:sp>
+        <p:sp>
+          <p:nvSpPr>
+            <p:cNvPr id="52" name="TextBox 51">
+              <a:extLst>
+                <a:ext uri="{FF2B5EF4-FFF2-40B4-BE49-F238E27FC236}">
+                  <a16:creationId xmlns:a16="http://schemas.microsoft.com/office/drawing/2014/main" id="{500C2D95-C578-B2CE-4059-5B8A3E193DE4}"/>
+                </a:ext>
+              </a:extLst>
+            </p:cNvPr>
+            <p:cNvSpPr txBox="1">
+              <a:spLocks/>
+            </p:cNvSpPr>
+            <p:nvPr/>
+          </p:nvSpPr>
+          <p:spPr>
+            <a:xfrm>
+              <a:off x="3292812" y="4051887"/>
+              <a:ext cx="723275" cy="307777"/>
+            </a:xfrm>
+            <a:prstGeom prst="rect">
+              <a:avLst/>
+            </a:prstGeom>
+            <a:noFill/>
+          </p:spPr>
+          <p:txBody>
+            <a:bodyPr wrap="none" rtlCol="0">
+              <a:spAutoFit/>
+            </a:bodyPr>
+            <a:lstStyle/>
+            <a:p>
+              <a:r>
+                <a:rPr lang="ko-KR" altLang="en-US" sz="1400" dirty="0"/>
+                <a:t>원산지</a:t>
+              </a:r>
+            </a:p>
+          </p:txBody>
+        </p:sp>
+        <p:sp>
+          <p:nvSpPr>
+            <p:cNvPr id="54" name="TextBox 53">
+              <a:extLst>
+                <a:ext uri="{FF2B5EF4-FFF2-40B4-BE49-F238E27FC236}">
+                  <a16:creationId xmlns:a16="http://schemas.microsoft.com/office/drawing/2014/main" id="{706C588E-D79F-2BD2-2D4B-919CE589C77D}"/>
+                </a:ext>
+              </a:extLst>
+            </p:cNvPr>
+            <p:cNvSpPr txBox="1">
+              <a:spLocks/>
+            </p:cNvSpPr>
+            <p:nvPr/>
+          </p:nvSpPr>
+          <p:spPr>
+            <a:xfrm>
+              <a:off x="3626315" y="4771157"/>
+              <a:ext cx="1683474" cy="307777"/>
+            </a:xfrm>
+            <a:prstGeom prst="rect">
+              <a:avLst/>
+            </a:prstGeom>
+            <a:noFill/>
+          </p:spPr>
+          <p:txBody>
+            <a:bodyPr wrap="none" rtlCol="0">
+              <a:spAutoFit/>
+            </a:bodyPr>
+            <a:lstStyle/>
+            <a:p>
+              <a:r>
+                <a:rPr lang="ko-KR" altLang="en-US" sz="1400" dirty="0"/>
+                <a:t>이 력 </a:t>
+              </a:r>
+              <a:r>
+                <a:rPr lang="en-US" altLang="ko-KR" sz="1400" dirty="0"/>
+                <a:t>(</a:t>
+              </a:r>
+              <a:r>
+                <a:rPr lang="ko-KR" altLang="en-US" sz="1400" dirty="0" err="1"/>
+                <a:t>묶</a:t>
+              </a:r>
+              <a:r>
+                <a:rPr lang="ko-KR" altLang="en-US" sz="1400" dirty="0"/>
+                <a:t> 음</a:t>
+              </a:r>
+              <a:r>
+                <a:rPr lang="en-US" altLang="ko-KR" sz="1400" dirty="0"/>
+                <a:t>) </a:t>
+              </a:r>
+              <a:r>
+                <a:rPr lang="ko-KR" altLang="en-US" sz="1400" dirty="0"/>
+                <a:t>번 호</a:t>
+              </a:r>
+            </a:p>
+          </p:txBody>
+        </p:sp>
+        <p:sp>
+          <p:nvSpPr>
+            <p:cNvPr id="55" name="TextBox 54">
+              <a:extLst>
+                <a:ext uri="{FF2B5EF4-FFF2-40B4-BE49-F238E27FC236}">
+                  <a16:creationId xmlns:a16="http://schemas.microsoft.com/office/drawing/2014/main" id="{5B06D76F-3424-6799-9DD0-46921D0740BE}"/>
+                </a:ext>
+              </a:extLst>
+            </p:cNvPr>
+            <p:cNvSpPr txBox="1">
+              <a:spLocks/>
+            </p:cNvSpPr>
+            <p:nvPr/>
+          </p:nvSpPr>
+          <p:spPr>
+            <a:xfrm>
+              <a:off x="5995541" y="5685328"/>
+              <a:ext cx="2696572" cy="261610"/>
+            </a:xfrm>
+            <a:prstGeom prst="rect">
+              <a:avLst/>
+            </a:prstGeom>
+            <a:noFill/>
+          </p:spPr>
+          <p:txBody>
+            <a:bodyPr wrap="none" rtlCol="0">
+              <a:spAutoFit/>
+            </a:bodyPr>
+            <a:lstStyle/>
+            <a:p>
+              <a:r>
+                <a:rPr lang="ko-KR" altLang="en-US" sz="1100" dirty="0"/>
+                <a:t>부정</a:t>
+              </a:r>
+              <a:r>
+                <a:rPr lang="en-US" altLang="ko-KR" sz="1100" dirty="0"/>
+                <a:t>, </a:t>
+              </a:r>
+              <a:r>
+                <a:rPr lang="ko-KR" altLang="en-US" sz="1100" dirty="0"/>
+                <a:t>불량축산물 신고는 국번없이 </a:t>
+              </a:r>
+              <a:r>
+                <a:rPr lang="en-US" altLang="ko-KR" sz="1100" dirty="0"/>
+                <a:t>1399</a:t>
+              </a:r>
+              <a:endParaRPr lang="ko-KR" altLang="en-US" sz="1100" dirty="0"/>
+            </a:p>
+          </p:txBody>
+        </p:sp>
+        <p:sp>
+          <p:nvSpPr>
+            <p:cNvPr id="56" name="TextBox 55">
+              <a:extLst>
+                <a:ext uri="{FF2B5EF4-FFF2-40B4-BE49-F238E27FC236}">
+                  <a16:creationId xmlns:a16="http://schemas.microsoft.com/office/drawing/2014/main" id="{2D76073C-76A3-D9E7-DB67-BEEA0DF65D8B}"/>
+                </a:ext>
+              </a:extLst>
+            </p:cNvPr>
+            <p:cNvSpPr txBox="1">
+              <a:spLocks/>
+            </p:cNvSpPr>
+            <p:nvPr/>
+          </p:nvSpPr>
+          <p:spPr>
+            <a:xfrm>
+              <a:off x="6097207" y="1981120"/>
+              <a:ext cx="389850" cy="215444"/>
+            </a:xfrm>
+            <a:prstGeom prst="rect">
+              <a:avLst/>
+            </a:prstGeom>
+            <a:noFill/>
+          </p:spPr>
+          <p:txBody>
+            <a:bodyPr wrap="none" rtlCol="0">
+              <a:spAutoFit/>
+            </a:bodyPr>
+            <a:lstStyle/>
+            <a:p>
+              <a:r>
+                <a:rPr lang="ko-KR" altLang="en-US" sz="800" dirty="0"/>
+                <a:t>유통</a:t>
+              </a:r>
+            </a:p>
+          </p:txBody>
+        </p:sp>
+        <p:sp>
+          <p:nvSpPr>
+            <p:cNvPr id="58" name="TextBox 57">
+              <a:extLst>
+                <a:ext uri="{FF2B5EF4-FFF2-40B4-BE49-F238E27FC236}">
+                  <a16:creationId xmlns:a16="http://schemas.microsoft.com/office/drawing/2014/main" id="{6CD14346-7D98-4D61-6339-FB78743FB417}"/>
+                </a:ext>
+              </a:extLst>
+            </p:cNvPr>
+            <p:cNvSpPr txBox="1">
+              <a:spLocks/>
+            </p:cNvSpPr>
+            <p:nvPr/>
+          </p:nvSpPr>
+          <p:spPr>
+            <a:xfrm>
+              <a:off x="3292812" y="3008281"/>
+              <a:ext cx="800219" cy="276999"/>
+            </a:xfrm>
+            <a:prstGeom prst="rect">
+              <a:avLst/>
+            </a:prstGeom>
+            <a:noFill/>
+          </p:spPr>
+          <p:txBody>
+            <a:bodyPr wrap="none" rtlCol="0">
+              <a:spAutoFit/>
+            </a:bodyPr>
+            <a:lstStyle/>
+            <a:p>
+              <a:r>
+                <a:rPr lang="ko-KR" altLang="en-US" sz="1200" dirty="0"/>
+                <a:t>제조일자</a:t>
+              </a:r>
+            </a:p>
+          </p:txBody>
+        </p:sp>
+        <p:sp>
+          <p:nvSpPr>
+            <p:cNvPr id="59" name="TextBox 58">
+              <a:extLst>
+                <a:ext uri="{FF2B5EF4-FFF2-40B4-BE49-F238E27FC236}">
+                  <a16:creationId xmlns:a16="http://schemas.microsoft.com/office/drawing/2014/main" id="{C89F04EC-8B8B-2DE1-E091-479EA882438D}"/>
+                </a:ext>
+              </a:extLst>
+            </p:cNvPr>
+            <p:cNvSpPr txBox="1">
+              <a:spLocks/>
+            </p:cNvSpPr>
+            <p:nvPr/>
+          </p:nvSpPr>
+          <p:spPr>
+            <a:xfrm>
+              <a:off x="3292812" y="3365249"/>
+              <a:ext cx="800219" cy="276999"/>
+            </a:xfrm>
+            <a:prstGeom prst="rect">
+              <a:avLst/>
+            </a:prstGeom>
+            <a:noFill/>
+          </p:spPr>
+          <p:txBody>
+            <a:bodyPr wrap="none" rtlCol="0">
+              <a:spAutoFit/>
+            </a:bodyPr>
+            <a:lstStyle/>
+            <a:p>
+              <a:r>
+                <a:rPr lang="ko-KR" altLang="en-US" sz="1200" dirty="0"/>
+                <a:t>유통기한</a:t>
+              </a:r>
+            </a:p>
+          </p:txBody>
+        </p:sp>
+        <p:sp>
+          <p:nvSpPr>
+            <p:cNvPr id="60" name="TextBox 59">
+              <a:extLst>
+                <a:ext uri="{FF2B5EF4-FFF2-40B4-BE49-F238E27FC236}">
+                  <a16:creationId xmlns:a16="http://schemas.microsoft.com/office/drawing/2014/main" id="{DC30C553-D834-E074-95FC-704552DCE491}"/>
+                </a:ext>
+              </a:extLst>
+            </p:cNvPr>
+            <p:cNvSpPr txBox="1">
+              <a:spLocks/>
+            </p:cNvSpPr>
+            <p:nvPr/>
+          </p:nvSpPr>
+          <p:spPr>
+            <a:xfrm>
+              <a:off x="3410258" y="4432075"/>
+              <a:ext cx="492443" cy="276999"/>
+            </a:xfrm>
+            <a:prstGeom prst="rect">
+              <a:avLst/>
+            </a:prstGeom>
+            <a:noFill/>
+          </p:spPr>
+          <p:txBody>
+            <a:bodyPr wrap="none" rtlCol="0">
+              <a:spAutoFit/>
+            </a:bodyPr>
+            <a:lstStyle/>
+            <a:p>
+              <a:r>
+                <a:rPr lang="ko-KR" altLang="en-US" sz="1200"/>
+                <a:t>비고</a:t>
+              </a:r>
+              <a:endParaRPr lang="ko-KR" altLang="en-US" sz="1200" dirty="0"/>
+            </a:p>
+          </p:txBody>
+        </p:sp>
+        <p:sp>
+          <p:nvSpPr>
+            <p:cNvPr id="62" name="TextBox 61">
+              <a:extLst>
+                <a:ext uri="{FF2B5EF4-FFF2-40B4-BE49-F238E27FC236}">
+                  <a16:creationId xmlns:a16="http://schemas.microsoft.com/office/drawing/2014/main" id="{79D84BFA-1C14-DDBA-9361-C4881F8CDB21}"/>
+                </a:ext>
+              </a:extLst>
+            </p:cNvPr>
+            <p:cNvSpPr txBox="1"/>
+            <p:nvPr/>
+          </p:nvSpPr>
+          <p:spPr>
+            <a:xfrm>
+              <a:off x="4056191" y="1704498"/>
+              <a:ext cx="1284326" cy="246221"/>
+            </a:xfrm>
+            <a:prstGeom prst="rect">
+              <a:avLst/>
+            </a:prstGeom>
+            <a:noFill/>
+          </p:spPr>
+          <p:txBody>
+            <a:bodyPr wrap="none" rtlCol="0">
+              <a:spAutoFit/>
+            </a:bodyPr>
+            <a:lstStyle/>
+            <a:p>
+              <a:r>
+                <a:rPr lang="ko-KR" altLang="en-US" sz="1000" dirty="0"/>
+                <a:t>품목제조보고번호 </a:t>
+              </a:r>
+              <a:r>
+                <a:rPr lang="en-US" altLang="ko-KR" sz="1000" dirty="0"/>
+                <a:t>:</a:t>
+              </a:r>
+              <a:endParaRPr lang="ko-KR" altLang="en-US" sz="1000" dirty="0"/>
+            </a:p>
+          </p:txBody>
+        </p:sp>
+        <p:sp>
+          <p:nvSpPr>
+            <p:cNvPr id="2" name="TextBox 1">
+              <a:extLst>
+                <a:ext uri="{FF2B5EF4-FFF2-40B4-BE49-F238E27FC236}">
+                  <a16:creationId xmlns:a16="http://schemas.microsoft.com/office/drawing/2014/main" id="{293610CD-367E-23BE-72FC-68C511BFAD8B}"/>
+                </a:ext>
+              </a:extLst>
+            </p:cNvPr>
+            <p:cNvSpPr txBox="1"/>
+            <p:nvPr/>
+          </p:nvSpPr>
+          <p:spPr>
+            <a:xfrm>
+              <a:off x="3268060" y="1129104"/>
+              <a:ext cx="761747" cy="200055"/>
+            </a:xfrm>
+            <a:prstGeom prst="rect">
+              <a:avLst/>
+            </a:prstGeom>
+            <a:noFill/>
+          </p:spPr>
+          <p:txBody>
+            <a:bodyPr wrap="none" rtlCol="0">
+              <a:spAutoFit/>
+            </a:bodyPr>
+            <a:lstStyle/>
+            <a:p>
+              <a:r>
+                <a:rPr lang="ko-KR" altLang="en-US" sz="700" dirty="0"/>
+                <a:t>제</a:t>
+              </a:r>
+              <a:r>
+                <a:rPr lang="en-US" altLang="ko-KR" sz="700" dirty="0"/>
+                <a:t>11600222</a:t>
+              </a:r>
+              <a:r>
+                <a:rPr lang="ko-KR" altLang="en-US" sz="700" dirty="0"/>
+                <a:t>호</a:t>
+              </a:r>
+            </a:p>
+          </p:txBody>
+        </p:sp>
+        <p:sp>
+          <p:nvSpPr>
+            <p:cNvPr id="5" name="TextBox 4">
+              <a:extLst>
+                <a:ext uri="{FF2B5EF4-FFF2-40B4-BE49-F238E27FC236}">
+                  <a16:creationId xmlns:a16="http://schemas.microsoft.com/office/drawing/2014/main" id="{2EF8145A-A800-951C-DD07-D3FA8140ED99}"/>
+                </a:ext>
+              </a:extLst>
+            </p:cNvPr>
+            <p:cNvSpPr txBox="1">
+              <a:spLocks/>
+            </p:cNvSpPr>
+            <p:nvPr/>
+          </p:nvSpPr>
+          <p:spPr>
+            <a:xfrm>
+              <a:off x="6794253" y="1981120"/>
+              <a:ext cx="510076" cy="215444"/>
+            </a:xfrm>
+            <a:prstGeom prst="rect">
+              <a:avLst/>
+            </a:prstGeom>
+            <a:noFill/>
+          </p:spPr>
+          <p:txBody>
+            <a:bodyPr wrap="none" rtlCol="0">
+              <a:spAutoFit/>
+            </a:bodyPr>
+            <a:lstStyle/>
+            <a:p>
+              <a:r>
+                <a:rPr lang="en-US" altLang="ko-KR" sz="800"/>
+                <a:t>TC</a:t>
+              </a:r>
+              <a:r>
+                <a:rPr lang="ko-KR" altLang="en-US" sz="800" dirty="0"/>
+                <a:t>매입</a:t>
+              </a:r>
+            </a:p>
+          </p:txBody>
+        </p:sp>
+        <p:sp>
+          <p:nvSpPr>
+            <p:cNvPr id="7" name="TextBox 6">
+              <a:extLst>
+                <a:ext uri="{FF2B5EF4-FFF2-40B4-BE49-F238E27FC236}">
+                  <a16:creationId xmlns:a16="http://schemas.microsoft.com/office/drawing/2014/main" id="{B1751A33-4BDA-FBEE-0BBB-8619AAFDB6F7}"/>
+                </a:ext>
+              </a:extLst>
+            </p:cNvPr>
+            <p:cNvSpPr txBox="1">
+              <a:spLocks/>
+            </p:cNvSpPr>
+            <p:nvPr/>
+          </p:nvSpPr>
+          <p:spPr>
+            <a:xfrm>
+              <a:off x="7594035" y="1981120"/>
+              <a:ext cx="514885" cy="215444"/>
+            </a:xfrm>
+            <a:prstGeom prst="rect">
+              <a:avLst/>
+            </a:prstGeom>
+            <a:noFill/>
+          </p:spPr>
+          <p:txBody>
+            <a:bodyPr wrap="none" rtlCol="0">
+              <a:spAutoFit/>
+            </a:bodyPr>
+            <a:lstStyle/>
+            <a:p>
+              <a:r>
+                <a:rPr lang="en-US" altLang="ko-KR" sz="800"/>
+                <a:t>PC</a:t>
+              </a:r>
+              <a:r>
+                <a:rPr lang="ko-KR" altLang="en-US" sz="800" dirty="0"/>
+                <a:t>출하</a:t>
+              </a:r>
+            </a:p>
+          </p:txBody>
+        </p:sp>
+        <p:sp>
+          <p:nvSpPr>
+            <p:cNvPr id="8" name="TextBox 7">
+              <a:extLst>
+                <a:ext uri="{FF2B5EF4-FFF2-40B4-BE49-F238E27FC236}">
+                  <a16:creationId xmlns:a16="http://schemas.microsoft.com/office/drawing/2014/main" id="{9178B174-BA46-AED3-3B28-5E07506D78D7}"/>
+                </a:ext>
+              </a:extLst>
+            </p:cNvPr>
+            <p:cNvSpPr txBox="1">
+              <a:spLocks/>
+            </p:cNvSpPr>
+            <p:nvPr/>
+          </p:nvSpPr>
+          <p:spPr>
+            <a:xfrm>
+              <a:off x="8393770" y="1981120"/>
+              <a:ext cx="564578" cy="215444"/>
+            </a:xfrm>
+            <a:prstGeom prst="rect">
+              <a:avLst/>
+            </a:prstGeom>
+            <a:noFill/>
+          </p:spPr>
+          <p:txBody>
+            <a:bodyPr wrap="none" rtlCol="0">
+              <a:spAutoFit/>
+            </a:bodyPr>
+            <a:lstStyle/>
+            <a:p>
+              <a:r>
+                <a:rPr lang="en-US" altLang="ko-KR" sz="800"/>
+                <a:t>ERP</a:t>
+              </a:r>
+              <a:r>
+                <a:rPr lang="ko-KR" altLang="en-US" sz="800" dirty="0"/>
+                <a:t>매입</a:t>
+              </a:r>
+            </a:p>
+          </p:txBody>
+        </p:sp>
+      </p:grpSp>
+    </p:spTree>
+    <p:extLst>
+      <p:ext uri="{BB962C8B-B14F-4D97-AF65-F5344CB8AC3E}">
+        <p14:creationId xmlns:p14="http://schemas.microsoft.com/office/powerpoint/2010/main" val="913088847"/>
+      </p:ext>
+    </p:extLst>
+  </p:cSld>
+  <p:clrMapOvr>
+    <a:masterClrMapping/>
+  </p:clrMapOvr>
+</p:sld>
+</file>
+
+<file path=ppt/slides/slide4.xml><?xml version="1.0" encoding="utf-8"?>
+<p:sld xmlns:a="http://schemas.openxmlformats.org/drawingml/2006/main" xmlns:r="http://schemas.openxmlformats.org/officeDocument/2006/relationships" xmlns:p="http://schemas.openxmlformats.org/presentationml/2006/main">
+  <p:cSld>
+    <p:spTree>
+      <p:nvGrpSpPr>
+        <p:cNvPr id="1" name=""/>
+        <p:cNvGrpSpPr/>
+        <p:nvPr/>
+      </p:nvGrpSpPr>
+      <p:grpSpPr>
+        <a:xfrm>
+          <a:off x="0" y="0"/>
+          <a:ext cx="0" cy="0"/>
+          <a:chOff x="0" y="0"/>
+          <a:chExt cx="0" cy="0"/>
+        </a:xfrm>
+      </p:grpSpPr>
       <p:pic>
         <p:nvPicPr>
           <p:cNvPr id="4" name="그림 3">
@@ -6688,7 +8437,7 @@
 </p:sld>
 </file>
 
-<file path=ppt/slides/slide4.xml><?xml version="1.0" encoding="utf-8"?>
+<file path=ppt/slides/slide5.xml><?xml version="1.0" encoding="utf-8"?>
 <p:sld xmlns:a="http://schemas.openxmlformats.org/drawingml/2006/main" xmlns:r="http://schemas.openxmlformats.org/officeDocument/2006/relationships" xmlns:p="http://schemas.openxmlformats.org/presentationml/2006/main">
   <p:cSld>
     <p:spTree>
@@ -6748,7 +8497,7 @@
 </p:sld>
 </file>
 
-<file path=ppt/slides/slide5.xml><?xml version="1.0" encoding="utf-8"?>
+<file path=ppt/slides/slide6.xml><?xml version="1.0" encoding="utf-8"?>
 <p:sld xmlns:a="http://schemas.openxmlformats.org/drawingml/2006/main" xmlns:r="http://schemas.openxmlformats.org/officeDocument/2006/relationships" xmlns:p="http://schemas.openxmlformats.org/presentationml/2006/main">
   <p:cSld>
     <p:spTree>
@@ -7399,20 +9148,20 @@
 </file>
 
 <file path=customXml/item2.xml><?xml version="1.0" encoding="utf-8"?>
-<p:properties xmlns:p="http://schemas.microsoft.com/office/2006/metadata/properties" xmlns:xsi="http://www.w3.org/2001/XMLSchema-instance" xmlns:pc="http://schemas.microsoft.com/office/infopath/2007/PartnerControls">
-  <documentManagement>
-    <_activity xmlns="ea9a7419-acbe-4906-91a9-8c87fd5279ec" xsi:nil="true"/>
-  </documentManagement>
-</p:properties>
-</file>
-
-<file path=customXml/item3.xml><?xml version="1.0" encoding="utf-8"?>
 <?mso-contentType ?>
 <FormTemplates xmlns="http://schemas.microsoft.com/sharepoint/v3/contenttype/forms">
   <Display>DocumentLibraryForm</Display>
   <Edit>DocumentLibraryForm</Edit>
   <New>DocumentLibraryForm</New>
 </FormTemplates>
+</file>
+
+<file path=customXml/item3.xml><?xml version="1.0" encoding="utf-8"?>
+<p:properties xmlns:p="http://schemas.microsoft.com/office/2006/metadata/properties" xmlns:xsi="http://www.w3.org/2001/XMLSchema-instance" xmlns:pc="http://schemas.microsoft.com/office/infopath/2007/PartnerControls">
+  <documentManagement>
+    <_activity xmlns="ea9a7419-acbe-4906-91a9-8c87fd5279ec" xsi:nil="true"/>
+  </documentManagement>
+</p:properties>
 </file>
 
 <file path=customXml/itemProps1.xml><?xml version="1.0" encoding="utf-8"?>
@@ -7435,6 +9184,14 @@
 </file>
 
 <file path=customXml/itemProps2.xml><?xml version="1.0" encoding="utf-8"?>
+<ds:datastoreItem xmlns:ds="http://schemas.openxmlformats.org/officeDocument/2006/customXml" ds:itemID="{18739ACE-8BF4-4DC4-8248-F2ED87A819E5}">
+  <ds:schemaRefs>
+    <ds:schemaRef ds:uri="http://schemas.microsoft.com/sharepoint/v3/contenttype/forms"/>
+  </ds:schemaRefs>
+</ds:datastoreItem>
+</file>
+
+<file path=customXml/itemProps3.xml><?xml version="1.0" encoding="utf-8"?>
 <ds:datastoreItem xmlns:ds="http://schemas.openxmlformats.org/officeDocument/2006/customXml" ds:itemID="{EE28839F-2E2D-4AAB-930E-B9E8F258505F}">
   <ds:schemaRefs>
     <ds:schemaRef ds:uri="eb7a143a-5ec2-4311-9abb-7fab2124b04c"/>
@@ -7449,12 +9206,4 @@
     <ds:schemaRef ds:uri="http://schemas.openxmlformats.org/package/2006/metadata/core-properties"/>
   </ds:schemaRefs>
 </ds:datastoreItem>
-</file>
-
-<file path=customXml/itemProps3.xml><?xml version="1.0" encoding="utf-8"?>
-<ds:datastoreItem xmlns:ds="http://schemas.openxmlformats.org/officeDocument/2006/customXml" ds:itemID="{18739ACE-8BF4-4DC4-8248-F2ED87A819E5}">
-  <ds:schemaRefs>
-    <ds:schemaRef ds:uri="http://schemas.microsoft.com/sharepoint/v3/contenttype/forms"/>
-  </ds:schemaRefs>
-</ds:datastoreItem>
 </file>